--- a/KocAkademi Angular.pptx
+++ b/KocAkademi Angular.pptx
@@ -5,17 +5,28 @@
     <p:sldMasterId id="2147483660" r:id="rId1"/>
   </p:sldMasterIdLst>
   <p:notesMasterIdLst>
-    <p:notesMasterId r:id="rId10"/>
+    <p:notesMasterId r:id="rId21"/>
   </p:notesMasterIdLst>
   <p:sldIdLst>
     <p:sldId id="256" r:id="rId2"/>
-    <p:sldId id="257" r:id="rId3"/>
-    <p:sldId id="258" r:id="rId4"/>
-    <p:sldId id="259" r:id="rId5"/>
-    <p:sldId id="260" r:id="rId6"/>
-    <p:sldId id="261" r:id="rId7"/>
-    <p:sldId id="262" r:id="rId8"/>
-    <p:sldId id="263" r:id="rId9"/>
+    <p:sldId id="258" r:id="rId3"/>
+    <p:sldId id="259" r:id="rId4"/>
+    <p:sldId id="260" r:id="rId5"/>
+    <p:sldId id="261" r:id="rId6"/>
+    <p:sldId id="262" r:id="rId7"/>
+    <p:sldId id="263" r:id="rId8"/>
+    <p:sldId id="264" r:id="rId9"/>
+    <p:sldId id="266" r:id="rId10"/>
+    <p:sldId id="265" r:id="rId11"/>
+    <p:sldId id="267" r:id="rId12"/>
+    <p:sldId id="268" r:id="rId13"/>
+    <p:sldId id="270" r:id="rId14"/>
+    <p:sldId id="269" r:id="rId15"/>
+    <p:sldId id="271" r:id="rId16"/>
+    <p:sldId id="272" r:id="rId17"/>
+    <p:sldId id="273" r:id="rId18"/>
+    <p:sldId id="274" r:id="rId19"/>
+    <p:sldId id="275" r:id="rId20"/>
   </p:sldIdLst>
   <p:sldSz cx="12192000" cy="6858000"/>
   <p:notesSz cx="6858000" cy="9144000"/>
@@ -204,7 +215,7 @@
           <a:p>
             <a:fld id="{68B13C0C-6ABD-441C-82B5-081ED1249733}" type="datetimeFigureOut">
               <a:rPr lang="tr-TR" smtClean="0"/>
-              <a:t>30.10.2018</a:t>
+              <a:t>31.10.2018</a:t>
             </a:fld>
             <a:endParaRPr lang="tr-TR"/>
           </a:p>
@@ -573,7 +584,7 @@
           <a:p>
             <a:fld id="{51399D8B-5D36-4D23-9C14-9DF987EAC348}" type="slidenum">
               <a:rPr lang="tr-TR" smtClean="0"/>
-              <a:t>4</a:t>
+              <a:t>3</a:t>
             </a:fld>
             <a:endParaRPr lang="tr-TR"/>
           </a:p>
@@ -676,7 +687,7 @@
           <a:p>
             <a:fld id="{51399D8B-5D36-4D23-9C14-9DF987EAC348}" type="slidenum">
               <a:rPr lang="tr-TR" smtClean="0"/>
-              <a:t>5</a:t>
+              <a:t>4</a:t>
             </a:fld>
             <a:endParaRPr lang="tr-TR"/>
           </a:p>
@@ -789,7 +800,7 @@
           <a:p>
             <a:fld id="{51399D8B-5D36-4D23-9C14-9DF987EAC348}" type="slidenum">
               <a:rPr lang="tr-TR" smtClean="0"/>
-              <a:t>6</a:t>
+              <a:t>5</a:t>
             </a:fld>
             <a:endParaRPr lang="tr-TR"/>
           </a:p>
@@ -799,6 +810,90 @@
     <p:extLst>
       <p:ext uri="{BB962C8B-B14F-4D97-AF65-F5344CB8AC3E}">
         <p14:creationId xmlns:p14="http://schemas.microsoft.com/office/powerpoint/2010/main" val="2311082941"/>
+      </p:ext>
+    </p:extLst>
+  </p:cSld>
+  <p:clrMapOvr>
+    <a:masterClrMapping/>
+  </p:clrMapOvr>
+</p:notes>
+</file>
+
+<file path=ppt/notesSlides/notesSlide4.xml><?xml version="1.0" encoding="utf-8"?>
+<p:notes xmlns:a="http://schemas.openxmlformats.org/drawingml/2006/main" xmlns:r="http://schemas.openxmlformats.org/officeDocument/2006/relationships" xmlns:p="http://schemas.openxmlformats.org/presentationml/2006/main">
+  <p:cSld>
+    <p:spTree>
+      <p:nvGrpSpPr>
+        <p:cNvPr id="1" name=""/>
+        <p:cNvGrpSpPr/>
+        <p:nvPr/>
+      </p:nvGrpSpPr>
+      <p:grpSpPr>
+        <a:xfrm>
+          <a:off x="0" y="0"/>
+          <a:ext cx="0" cy="0"/>
+          <a:chOff x="0" y="0"/>
+          <a:chExt cx="0" cy="0"/>
+        </a:xfrm>
+      </p:grpSpPr>
+      <p:sp>
+        <p:nvSpPr>
+          <p:cNvPr id="2" name="Slide Image Placeholder 1"/>
+          <p:cNvSpPr>
+            <a:spLocks noGrp="1" noRot="1" noChangeAspect="1"/>
+          </p:cNvSpPr>
+          <p:nvPr>
+            <p:ph type="sldImg"/>
+          </p:nvPr>
+        </p:nvSpPr>
+        <p:spPr/>
+      </p:sp>
+      <p:sp>
+        <p:nvSpPr>
+          <p:cNvPr id="3" name="Notes Placeholder 2"/>
+          <p:cNvSpPr>
+            <a:spLocks noGrp="1"/>
+          </p:cNvSpPr>
+          <p:nvPr>
+            <p:ph type="body" idx="1"/>
+          </p:nvPr>
+        </p:nvSpPr>
+        <p:spPr/>
+        <p:txBody>
+          <a:bodyPr/>
+          <a:lstStyle/>
+          <a:p>
+            <a:endParaRPr lang="tr-TR" dirty="0"/>
+          </a:p>
+        </p:txBody>
+      </p:sp>
+      <p:sp>
+        <p:nvSpPr>
+          <p:cNvPr id="4" name="Slide Number Placeholder 3"/>
+          <p:cNvSpPr>
+            <a:spLocks noGrp="1"/>
+          </p:cNvSpPr>
+          <p:nvPr>
+            <p:ph type="sldNum" sz="quarter" idx="10"/>
+          </p:nvPr>
+        </p:nvSpPr>
+        <p:spPr/>
+        <p:txBody>
+          <a:bodyPr/>
+          <a:lstStyle/>
+          <a:p>
+            <a:fld id="{51399D8B-5D36-4D23-9C14-9DF987EAC348}" type="slidenum">
+              <a:rPr lang="tr-TR" smtClean="0"/>
+              <a:t>14</a:t>
+            </a:fld>
+            <a:endParaRPr lang="tr-TR"/>
+          </a:p>
+        </p:txBody>
+      </p:sp>
+    </p:spTree>
+    <p:extLst>
+      <p:ext uri="{BB962C8B-B14F-4D97-AF65-F5344CB8AC3E}">
+        <p14:creationId xmlns:p14="http://schemas.microsoft.com/office/powerpoint/2010/main" val="3381531516"/>
       </p:ext>
     </p:extLst>
   </p:cSld>
@@ -1034,7 +1129,7 @@
           <a:p>
             <a:fld id="{A9F52B5A-E7A7-4633-8117-2E98A826B9FB}" type="datetimeFigureOut">
               <a:rPr lang="tr-TR" smtClean="0"/>
-              <a:t>30.10.2018</a:t>
+              <a:t>31.10.2018</a:t>
             </a:fld>
             <a:endParaRPr lang="tr-TR"/>
           </a:p>
@@ -1242,7 +1337,7 @@
           <a:p>
             <a:fld id="{A9F52B5A-E7A7-4633-8117-2E98A826B9FB}" type="datetimeFigureOut">
               <a:rPr lang="tr-TR" smtClean="0"/>
-              <a:t>30.10.2018</a:t>
+              <a:t>31.10.2018</a:t>
             </a:fld>
             <a:endParaRPr lang="tr-TR"/>
           </a:p>
@@ -1498,7 +1593,7 @@
           <a:p>
             <a:fld id="{A9F52B5A-E7A7-4633-8117-2E98A826B9FB}" type="datetimeFigureOut">
               <a:rPr lang="tr-TR" smtClean="0"/>
-              <a:t>30.10.2018</a:t>
+              <a:t>31.10.2018</a:t>
             </a:fld>
             <a:endParaRPr lang="tr-TR"/>
           </a:p>
@@ -1672,7 +1767,7 @@
           <a:p>
             <a:fld id="{A9F52B5A-E7A7-4633-8117-2E98A826B9FB}" type="datetimeFigureOut">
               <a:rPr lang="tr-TR" smtClean="0"/>
-              <a:t>30.10.2018</a:t>
+              <a:t>31.10.2018</a:t>
             </a:fld>
             <a:endParaRPr lang="tr-TR"/>
           </a:p>
@@ -2015,7 +2110,7 @@
           <a:p>
             <a:fld id="{A9F52B5A-E7A7-4633-8117-2E98A826B9FB}" type="datetimeFigureOut">
               <a:rPr lang="tr-TR" smtClean="0"/>
-              <a:t>30.10.2018</a:t>
+              <a:t>31.10.2018</a:t>
             </a:fld>
             <a:endParaRPr lang="tr-TR"/>
           </a:p>
@@ -2290,7 +2385,7 @@
           <a:p>
             <a:fld id="{A9F52B5A-E7A7-4633-8117-2E98A826B9FB}" type="datetimeFigureOut">
               <a:rPr lang="tr-TR" smtClean="0"/>
-              <a:t>30.10.2018</a:t>
+              <a:t>31.10.2018</a:t>
             </a:fld>
             <a:endParaRPr lang="tr-TR"/>
           </a:p>
@@ -2669,7 +2764,7 @@
           <a:p>
             <a:fld id="{A9F52B5A-E7A7-4633-8117-2E98A826B9FB}" type="datetimeFigureOut">
               <a:rPr lang="tr-TR" smtClean="0"/>
-              <a:t>30.10.2018</a:t>
+              <a:t>31.10.2018</a:t>
             </a:fld>
             <a:endParaRPr lang="tr-TR"/>
           </a:p>
@@ -2787,7 +2882,7 @@
           <a:p>
             <a:fld id="{A9F52B5A-E7A7-4633-8117-2E98A826B9FB}" type="datetimeFigureOut">
               <a:rPr lang="tr-TR" smtClean="0"/>
-              <a:t>30.10.2018</a:t>
+              <a:t>31.10.2018</a:t>
             </a:fld>
             <a:endParaRPr lang="tr-TR"/>
           </a:p>
@@ -2958,7 +3053,7 @@
           <a:p>
             <a:fld id="{A9F52B5A-E7A7-4633-8117-2E98A826B9FB}" type="datetimeFigureOut">
               <a:rPr lang="tr-TR" smtClean="0"/>
-              <a:t>30.10.2018</a:t>
+              <a:t>31.10.2018</a:t>
             </a:fld>
             <a:endParaRPr lang="tr-TR"/>
           </a:p>
@@ -3312,7 +3407,7 @@
           <a:p>
             <a:fld id="{A9F52B5A-E7A7-4633-8117-2E98A826B9FB}" type="datetimeFigureOut">
               <a:rPr lang="tr-TR" smtClean="0"/>
-              <a:t>30.10.2018</a:t>
+              <a:t>31.10.2018</a:t>
             </a:fld>
             <a:endParaRPr lang="tr-TR"/>
           </a:p>
@@ -3694,7 +3789,7 @@
           <a:p>
             <a:fld id="{A9F52B5A-E7A7-4633-8117-2E98A826B9FB}" type="datetimeFigureOut">
               <a:rPr lang="tr-TR" smtClean="0"/>
-              <a:t>30.10.2018</a:t>
+              <a:t>31.10.2018</a:t>
             </a:fld>
             <a:endParaRPr lang="tr-TR"/>
           </a:p>
@@ -3981,7 +4076,7 @@
           <a:p>
             <a:fld id="{A9F52B5A-E7A7-4633-8117-2E98A826B9FB}" type="datetimeFigureOut">
               <a:rPr lang="tr-TR" smtClean="0"/>
-              <a:t>30.10.2018</a:t>
+              <a:t>31.10.2018</a:t>
             </a:fld>
             <a:endParaRPr lang="tr-TR"/>
           </a:p>
@@ -4597,11 +4692,7 @@
             <a:pPr algn="ctr"/>
             <a:r>
               <a:rPr lang="en-US" sz="3200" dirty="0" smtClean="0"/>
-              <a:t>Özgür </a:t>
-            </a:r>
-            <a:r>
-              <a:rPr lang="en-US" sz="3200" dirty="0" smtClean="0"/>
-              <a:t>Kaplan</a:t>
+              <a:t>Özgür Kaplan</a:t>
             </a:r>
           </a:p>
           <a:p>
@@ -4628,6 +4719,2480 @@
   <p:clrMapOvr>
     <a:masterClrMapping/>
   </p:clrMapOvr>
+</p:sld>
+</file>
+
+<file path=ppt/slides/slide10.xml><?xml version="1.0" encoding="utf-8"?>
+<p:sld xmlns:a="http://schemas.openxmlformats.org/drawingml/2006/main" xmlns:r="http://schemas.openxmlformats.org/officeDocument/2006/relationships" xmlns:p="http://schemas.openxmlformats.org/presentationml/2006/main">
+  <p:cSld>
+    <p:spTree>
+      <p:nvGrpSpPr>
+        <p:cNvPr id="1" name=""/>
+        <p:cNvGrpSpPr/>
+        <p:nvPr/>
+      </p:nvGrpSpPr>
+      <p:grpSpPr>
+        <a:xfrm>
+          <a:off x="0" y="0"/>
+          <a:ext cx="0" cy="0"/>
+          <a:chOff x="0" y="0"/>
+          <a:chExt cx="0" cy="0"/>
+        </a:xfrm>
+      </p:grpSpPr>
+      <p:sp>
+        <p:nvSpPr>
+          <p:cNvPr id="2" name="Title 1"/>
+          <p:cNvSpPr>
+            <a:spLocks noGrp="1"/>
+          </p:cNvSpPr>
+          <p:nvPr>
+            <p:ph type="title"/>
+          </p:nvPr>
+        </p:nvSpPr>
+        <p:spPr/>
+        <p:txBody>
+          <a:bodyPr/>
+          <a:lstStyle/>
+          <a:p>
+            <a:r>
+              <a:rPr lang="en-US" dirty="0" smtClean="0"/>
+              <a:t>What are we building?</a:t>
+            </a:r>
+            <a:endParaRPr lang="tr-TR" dirty="0"/>
+          </a:p>
+        </p:txBody>
+      </p:sp>
+      <p:sp>
+        <p:nvSpPr>
+          <p:cNvPr id="3" name="Content Placeholder 2"/>
+          <p:cNvSpPr>
+            <a:spLocks noGrp="1"/>
+          </p:cNvSpPr>
+          <p:nvPr>
+            <p:ph idx="1"/>
+          </p:nvPr>
+        </p:nvSpPr>
+        <p:spPr/>
+        <p:txBody>
+          <a:bodyPr/>
+          <a:lstStyle/>
+          <a:p>
+            <a:pPr>
+              <a:buFont typeface="Wingdings" panose="05000000000000000000" pitchFamily="2" charset="2"/>
+              <a:buChar char="Ø"/>
+            </a:pPr>
+            <a:r>
+              <a:rPr lang="tr-TR" dirty="0">
+                <a:hlinkClick r:id="rId2"/>
+              </a:rPr>
+              <a:t>https://</a:t>
+            </a:r>
+            <a:r>
+              <a:rPr lang="tr-TR" dirty="0" smtClean="0">
+                <a:hlinkClick r:id="rId2"/>
+              </a:rPr>
+              <a:t>github.com/ozgurkaplan/KocAkademiAngularStarter</a:t>
+            </a:r>
+            <a:r>
+              <a:rPr lang="en-US" dirty="0" smtClean="0"/>
+              <a:t> </a:t>
+            </a:r>
+          </a:p>
+          <a:p>
+            <a:pPr>
+              <a:buFont typeface="Wingdings" panose="05000000000000000000" pitchFamily="2" charset="2"/>
+              <a:buChar char="Ø"/>
+            </a:pPr>
+            <a:r>
+              <a:rPr lang="en-US" dirty="0" smtClean="0"/>
+              <a:t> </a:t>
+            </a:r>
+            <a:r>
+              <a:rPr lang="en-US" dirty="0" err="1" smtClean="0"/>
+              <a:t>git</a:t>
+            </a:r>
+            <a:r>
+              <a:rPr lang="en-US" dirty="0" smtClean="0"/>
+              <a:t> </a:t>
+            </a:r>
+            <a:r>
+              <a:rPr lang="en-US" dirty="0"/>
+              <a:t>clone https://</a:t>
+            </a:r>
+            <a:r>
+              <a:rPr lang="en-US" dirty="0" smtClean="0"/>
+              <a:t>github.com/ozgurkaplan/KocAkademiAngularStarter.git </a:t>
+            </a:r>
+          </a:p>
+          <a:p>
+            <a:pPr>
+              <a:buFont typeface="Wingdings" panose="05000000000000000000" pitchFamily="2" charset="2"/>
+              <a:buChar char="Ø"/>
+            </a:pPr>
+            <a:r>
+              <a:rPr lang="en-US" dirty="0" smtClean="0"/>
+              <a:t>run json.server.bat</a:t>
+            </a:r>
+          </a:p>
+          <a:p>
+            <a:pPr>
+              <a:buFont typeface="Wingdings" panose="05000000000000000000" pitchFamily="2" charset="2"/>
+              <a:buChar char="Ø"/>
+            </a:pPr>
+            <a:r>
+              <a:rPr lang="en-US" dirty="0"/>
+              <a:t>cd </a:t>
+            </a:r>
+            <a:r>
+              <a:rPr lang="en-US" dirty="0" err="1"/>
+              <a:t>ks</a:t>
+            </a:r>
+            <a:r>
+              <a:rPr lang="en-US" dirty="0"/>
+              <a:t>-overflow-app </a:t>
+            </a:r>
+            <a:r>
+              <a:rPr lang="en-US" dirty="0" smtClean="0"/>
+              <a:t>– Refactored</a:t>
+            </a:r>
+          </a:p>
+          <a:p>
+            <a:pPr>
+              <a:buFont typeface="Wingdings" panose="05000000000000000000" pitchFamily="2" charset="2"/>
+              <a:buChar char="Ø"/>
+            </a:pPr>
+            <a:r>
+              <a:rPr lang="en-US" dirty="0" err="1" smtClean="0"/>
+              <a:t>npm</a:t>
+            </a:r>
+            <a:r>
+              <a:rPr lang="en-US" dirty="0" smtClean="0"/>
+              <a:t>-install</a:t>
+            </a:r>
+          </a:p>
+          <a:p>
+            <a:pPr>
+              <a:buFont typeface="Wingdings" panose="05000000000000000000" pitchFamily="2" charset="2"/>
+              <a:buChar char="Ø"/>
+            </a:pPr>
+            <a:r>
+              <a:rPr lang="en-US" dirty="0" smtClean="0"/>
+              <a:t>ng serve</a:t>
+            </a:r>
+          </a:p>
+          <a:p>
+            <a:pPr>
+              <a:buFont typeface="Wingdings" panose="05000000000000000000" pitchFamily="2" charset="2"/>
+              <a:buChar char="Ø"/>
+            </a:pPr>
+            <a:r>
+              <a:rPr lang="en-US" dirty="0">
+                <a:hlinkClick r:id="rId3"/>
+              </a:rPr>
+              <a:t>http://localhost:4200</a:t>
+            </a:r>
+            <a:r>
+              <a:rPr lang="en-US" dirty="0" smtClean="0">
+                <a:hlinkClick r:id="rId3"/>
+              </a:rPr>
+              <a:t>/</a:t>
+            </a:r>
+            <a:r>
+              <a:rPr lang="en-US" dirty="0" smtClean="0"/>
+              <a:t>  </a:t>
+            </a:r>
+          </a:p>
+          <a:p>
+            <a:pPr>
+              <a:buFont typeface="Wingdings" panose="05000000000000000000" pitchFamily="2" charset="2"/>
+              <a:buChar char="Ø"/>
+            </a:pPr>
+            <a:endParaRPr lang="tr-TR" dirty="0"/>
+          </a:p>
+        </p:txBody>
+      </p:sp>
+    </p:spTree>
+    <p:extLst>
+      <p:ext uri="{BB962C8B-B14F-4D97-AF65-F5344CB8AC3E}">
+        <p14:creationId xmlns:p14="http://schemas.microsoft.com/office/powerpoint/2010/main" val="3591052480"/>
+      </p:ext>
+    </p:extLst>
+  </p:cSld>
+  <p:clrMapOvr>
+    <a:masterClrMapping/>
+  </p:clrMapOvr>
+  <p:timing>
+    <p:tnLst>
+      <p:par>
+        <p:cTn id="1" dur="indefinite" restart="never" nodeType="tmRoot"/>
+      </p:par>
+    </p:tnLst>
+  </p:timing>
+</p:sld>
+</file>
+
+<file path=ppt/slides/slide11.xml><?xml version="1.0" encoding="utf-8"?>
+<p:sld xmlns:a="http://schemas.openxmlformats.org/drawingml/2006/main" xmlns:r="http://schemas.openxmlformats.org/officeDocument/2006/relationships" xmlns:p="http://schemas.openxmlformats.org/presentationml/2006/main">
+  <p:cSld>
+    <p:spTree>
+      <p:nvGrpSpPr>
+        <p:cNvPr id="1" name=""/>
+        <p:cNvGrpSpPr/>
+        <p:nvPr/>
+      </p:nvGrpSpPr>
+      <p:grpSpPr>
+        <a:xfrm>
+          <a:off x="0" y="0"/>
+          <a:ext cx="0" cy="0"/>
+          <a:chOff x="0" y="0"/>
+          <a:chExt cx="0" cy="0"/>
+        </a:xfrm>
+      </p:grpSpPr>
+      <p:sp>
+        <p:nvSpPr>
+          <p:cNvPr id="2" name="Title 1"/>
+          <p:cNvSpPr>
+            <a:spLocks noGrp="1"/>
+          </p:cNvSpPr>
+          <p:nvPr>
+            <p:ph type="title"/>
+          </p:nvPr>
+        </p:nvSpPr>
+        <p:spPr/>
+        <p:txBody>
+          <a:bodyPr/>
+          <a:lstStyle/>
+          <a:p>
+            <a:r>
+              <a:rPr lang="en-US" dirty="0" smtClean="0"/>
+              <a:t>Starting A New Project</a:t>
+            </a:r>
+            <a:endParaRPr lang="tr-TR" dirty="0"/>
+          </a:p>
+        </p:txBody>
+      </p:sp>
+      <p:sp>
+        <p:nvSpPr>
+          <p:cNvPr id="3" name="Content Placeholder 2"/>
+          <p:cNvSpPr>
+            <a:spLocks noGrp="1"/>
+          </p:cNvSpPr>
+          <p:nvPr>
+            <p:ph idx="1"/>
+          </p:nvPr>
+        </p:nvSpPr>
+        <p:spPr/>
+        <p:txBody>
+          <a:bodyPr/>
+          <a:lstStyle/>
+          <a:p>
+            <a:pPr lvl="1">
+              <a:buFont typeface="Wingdings" panose="05000000000000000000" pitchFamily="2" charset="2"/>
+              <a:buChar char="Ø"/>
+            </a:pPr>
+            <a:r>
+              <a:rPr lang="en-US" dirty="0"/>
+              <a:t>ng new </a:t>
+            </a:r>
+            <a:r>
+              <a:rPr lang="en-US" dirty="0" err="1" smtClean="0"/>
+              <a:t>ks</a:t>
+            </a:r>
+            <a:r>
+              <a:rPr lang="en-US" dirty="0" smtClean="0"/>
+              <a:t>-overflow-app</a:t>
+            </a:r>
+            <a:endParaRPr lang="en-US" dirty="0"/>
+          </a:p>
+          <a:p>
+            <a:pPr lvl="1">
+              <a:buFont typeface="Wingdings" panose="05000000000000000000" pitchFamily="2" charset="2"/>
+              <a:buChar char="Ø"/>
+            </a:pPr>
+            <a:r>
+              <a:rPr lang="en-US" dirty="0"/>
+              <a:t>cd </a:t>
+            </a:r>
+            <a:r>
+              <a:rPr lang="en-US" dirty="0" err="1"/>
+              <a:t>ks</a:t>
+            </a:r>
+            <a:r>
+              <a:rPr lang="en-US" dirty="0"/>
+              <a:t>-overflow-app</a:t>
+            </a:r>
+          </a:p>
+          <a:p>
+            <a:pPr lvl="1">
+              <a:buFont typeface="Wingdings" panose="05000000000000000000" pitchFamily="2" charset="2"/>
+              <a:buChar char="Ø"/>
+            </a:pPr>
+            <a:r>
+              <a:rPr lang="en-US" dirty="0" smtClean="0"/>
+              <a:t>ng serve</a:t>
+            </a:r>
+          </a:p>
+          <a:p>
+            <a:pPr lvl="1">
+              <a:buFont typeface="Wingdings" panose="05000000000000000000" pitchFamily="2" charset="2"/>
+              <a:buChar char="Ø"/>
+            </a:pPr>
+            <a:endParaRPr lang="en-US" dirty="0"/>
+          </a:p>
+          <a:p>
+            <a:pPr lvl="1">
+              <a:buFont typeface="Wingdings" panose="05000000000000000000" pitchFamily="2" charset="2"/>
+              <a:buChar char="Ø"/>
+            </a:pPr>
+            <a:r>
+              <a:rPr lang="en-US" dirty="0" err="1" smtClean="0"/>
+              <a:t>Importat</a:t>
+            </a:r>
+            <a:r>
+              <a:rPr lang="en-US" dirty="0" smtClean="0"/>
+              <a:t> Folder and Files</a:t>
+            </a:r>
+          </a:p>
+          <a:p>
+            <a:pPr lvl="2">
+              <a:buFont typeface="Wingdings" panose="05000000000000000000" pitchFamily="2" charset="2"/>
+              <a:buChar char="Ø"/>
+            </a:pPr>
+            <a:r>
+              <a:rPr lang="en-US" dirty="0" err="1" smtClean="0"/>
+              <a:t>packages.json</a:t>
+            </a:r>
+            <a:endParaRPr lang="en-US" dirty="0" smtClean="0"/>
+          </a:p>
+          <a:p>
+            <a:pPr lvl="2">
+              <a:buFont typeface="Wingdings" panose="05000000000000000000" pitchFamily="2" charset="2"/>
+              <a:buChar char="Ø"/>
+            </a:pPr>
+            <a:r>
+              <a:rPr lang="en-US" dirty="0" err="1" smtClean="0"/>
+              <a:t>node_modules</a:t>
+            </a:r>
+            <a:endParaRPr lang="en-US" dirty="0" smtClean="0"/>
+          </a:p>
+          <a:p>
+            <a:pPr lvl="2">
+              <a:buFont typeface="Wingdings" panose="05000000000000000000" pitchFamily="2" charset="2"/>
+              <a:buChar char="Ø"/>
+            </a:pPr>
+            <a:r>
+              <a:rPr lang="en-US" dirty="0" smtClean="0"/>
+              <a:t>.angular-</a:t>
+            </a:r>
+            <a:r>
+              <a:rPr lang="en-US" dirty="0" err="1" smtClean="0"/>
+              <a:t>cli.json</a:t>
+            </a:r>
+            <a:endParaRPr lang="en-US" dirty="0" smtClean="0"/>
+          </a:p>
+          <a:p>
+            <a:pPr lvl="2">
+              <a:buFont typeface="Wingdings" panose="05000000000000000000" pitchFamily="2" charset="2"/>
+              <a:buChar char="Ø"/>
+            </a:pPr>
+            <a:r>
+              <a:rPr lang="en-US" dirty="0" err="1" smtClean="0"/>
+              <a:t>src</a:t>
+            </a:r>
+            <a:r>
+              <a:rPr lang="en-US" dirty="0" smtClean="0"/>
+              <a:t>/app/</a:t>
+            </a:r>
+            <a:r>
+              <a:rPr lang="en-US" dirty="0" err="1" smtClean="0"/>
+              <a:t>app.module.ts</a:t>
+            </a:r>
+            <a:endParaRPr lang="en-US" dirty="0" smtClean="0"/>
+          </a:p>
+          <a:p>
+            <a:pPr lvl="2">
+              <a:buFont typeface="Wingdings" panose="05000000000000000000" pitchFamily="2" charset="2"/>
+              <a:buChar char="Ø"/>
+            </a:pPr>
+            <a:r>
+              <a:rPr lang="en-US" dirty="0" err="1" smtClean="0"/>
+              <a:t>src</a:t>
+            </a:r>
+            <a:r>
+              <a:rPr lang="en-US" dirty="0" smtClean="0"/>
+              <a:t>/app/</a:t>
+            </a:r>
+            <a:r>
+              <a:rPr lang="en-US" dirty="0" err="1" smtClean="0"/>
+              <a:t>app.component.ts</a:t>
+            </a:r>
+            <a:endParaRPr lang="en-US" dirty="0"/>
+          </a:p>
+          <a:p>
+            <a:pPr lvl="2">
+              <a:buFont typeface="Wingdings" panose="05000000000000000000" pitchFamily="2" charset="2"/>
+              <a:buChar char="Ø"/>
+            </a:pPr>
+            <a:endParaRPr lang="en-US" dirty="0" smtClean="0"/>
+          </a:p>
+          <a:p>
+            <a:pPr lvl="2">
+              <a:buFont typeface="Wingdings" panose="05000000000000000000" pitchFamily="2" charset="2"/>
+              <a:buChar char="Ø"/>
+            </a:pPr>
+            <a:endParaRPr lang="en-US" dirty="0"/>
+          </a:p>
+          <a:p>
+            <a:endParaRPr lang="tr-TR" dirty="0"/>
+          </a:p>
+        </p:txBody>
+      </p:sp>
+    </p:spTree>
+    <p:extLst>
+      <p:ext uri="{BB962C8B-B14F-4D97-AF65-F5344CB8AC3E}">
+        <p14:creationId xmlns:p14="http://schemas.microsoft.com/office/powerpoint/2010/main" val="3332239359"/>
+      </p:ext>
+    </p:extLst>
+  </p:cSld>
+  <p:clrMapOvr>
+    <a:masterClrMapping/>
+  </p:clrMapOvr>
+  <p:timing>
+    <p:tnLst>
+      <p:par>
+        <p:cTn id="1" dur="indefinite" restart="never" nodeType="tmRoot"/>
+      </p:par>
+    </p:tnLst>
+  </p:timing>
+</p:sld>
+</file>
+
+<file path=ppt/slides/slide12.xml><?xml version="1.0" encoding="utf-8"?>
+<p:sld xmlns:a="http://schemas.openxmlformats.org/drawingml/2006/main" xmlns:r="http://schemas.openxmlformats.org/officeDocument/2006/relationships" xmlns:p="http://schemas.openxmlformats.org/presentationml/2006/main">
+  <p:cSld>
+    <p:spTree>
+      <p:nvGrpSpPr>
+        <p:cNvPr id="1" name=""/>
+        <p:cNvGrpSpPr/>
+        <p:nvPr/>
+      </p:nvGrpSpPr>
+      <p:grpSpPr>
+        <a:xfrm>
+          <a:off x="0" y="0"/>
+          <a:ext cx="0" cy="0"/>
+          <a:chOff x="0" y="0"/>
+          <a:chExt cx="0" cy="0"/>
+        </a:xfrm>
+      </p:grpSpPr>
+      <p:sp>
+        <p:nvSpPr>
+          <p:cNvPr id="2" name="Title 1"/>
+          <p:cNvSpPr>
+            <a:spLocks noGrp="1"/>
+          </p:cNvSpPr>
+          <p:nvPr>
+            <p:ph type="title"/>
+          </p:nvPr>
+        </p:nvSpPr>
+        <p:spPr/>
+        <p:txBody>
+          <a:bodyPr/>
+          <a:lstStyle/>
+          <a:p>
+            <a:r>
+              <a:rPr lang="en-US" dirty="0" smtClean="0"/>
+              <a:t>Installing Bootstrap</a:t>
+            </a:r>
+            <a:endParaRPr lang="tr-TR" dirty="0"/>
+          </a:p>
+        </p:txBody>
+      </p:sp>
+      <p:sp>
+        <p:nvSpPr>
+          <p:cNvPr id="3" name="Content Placeholder 2"/>
+          <p:cNvSpPr>
+            <a:spLocks noGrp="1"/>
+          </p:cNvSpPr>
+          <p:nvPr>
+            <p:ph idx="1"/>
+          </p:nvPr>
+        </p:nvSpPr>
+        <p:spPr/>
+        <p:txBody>
+          <a:bodyPr/>
+          <a:lstStyle/>
+          <a:p>
+            <a:pPr>
+              <a:buFont typeface="Wingdings" panose="05000000000000000000" pitchFamily="2" charset="2"/>
+              <a:buChar char="Ø"/>
+            </a:pPr>
+            <a:r>
+              <a:rPr lang="tr-TR" dirty="0" err="1"/>
+              <a:t>npm</a:t>
+            </a:r>
+            <a:r>
+              <a:rPr lang="tr-TR" dirty="0"/>
+              <a:t> </a:t>
+            </a:r>
+            <a:r>
+              <a:rPr lang="tr-TR" dirty="0" err="1"/>
+              <a:t>install</a:t>
+            </a:r>
+            <a:r>
+              <a:rPr lang="tr-TR" dirty="0"/>
+              <a:t> </a:t>
+            </a:r>
+            <a:r>
+              <a:rPr lang="tr-TR" dirty="0" err="1"/>
+              <a:t>bootstrap@latest</a:t>
+            </a:r>
+            <a:r>
+              <a:rPr lang="tr-TR" dirty="0"/>
+              <a:t> --</a:t>
+            </a:r>
+            <a:r>
+              <a:rPr lang="tr-TR" dirty="0" err="1" smtClean="0"/>
+              <a:t>save</a:t>
+            </a:r>
+            <a:r>
+              <a:rPr lang="tr-TR" dirty="0" smtClean="0"/>
+              <a:t>-dev</a:t>
+            </a:r>
+            <a:endParaRPr lang="en-US" dirty="0" smtClean="0"/>
+          </a:p>
+          <a:p>
+            <a:pPr>
+              <a:buFont typeface="Wingdings" panose="05000000000000000000" pitchFamily="2" charset="2"/>
+              <a:buChar char="Ø"/>
+            </a:pPr>
+            <a:r>
+              <a:rPr lang="en-US" dirty="0" smtClean="0"/>
+              <a:t>styles.css</a:t>
+            </a:r>
+          </a:p>
+          <a:p>
+            <a:pPr lvl="1">
+              <a:buFont typeface="Wingdings" panose="05000000000000000000" pitchFamily="2" charset="2"/>
+              <a:buChar char="Ø"/>
+            </a:pPr>
+            <a:r>
+              <a:rPr lang="tr-TR" dirty="0"/>
+              <a:t>@</a:t>
+            </a:r>
+            <a:r>
+              <a:rPr lang="tr-TR" dirty="0" err="1"/>
+              <a:t>import</a:t>
+            </a:r>
+            <a:r>
+              <a:rPr lang="tr-TR" dirty="0"/>
+              <a:t> "~</a:t>
+            </a:r>
+            <a:r>
+              <a:rPr lang="tr-TR" dirty="0" err="1" smtClean="0"/>
+              <a:t>bootstrap</a:t>
+            </a:r>
+            <a:r>
+              <a:rPr lang="tr-TR" dirty="0" smtClean="0"/>
+              <a:t>/</a:t>
+            </a:r>
+            <a:r>
+              <a:rPr lang="tr-TR" dirty="0" err="1" smtClean="0"/>
+              <a:t>dist</a:t>
+            </a:r>
+            <a:r>
+              <a:rPr lang="tr-TR" dirty="0" smtClean="0"/>
+              <a:t>/</a:t>
+            </a:r>
+            <a:r>
+              <a:rPr lang="tr-TR" dirty="0" err="1" smtClean="0"/>
+              <a:t>css</a:t>
+            </a:r>
+            <a:r>
+              <a:rPr lang="tr-TR" dirty="0" smtClean="0"/>
+              <a:t>/bootstrap.css";</a:t>
+            </a:r>
+            <a:endParaRPr lang="en-US" dirty="0" smtClean="0"/>
+          </a:p>
+          <a:p>
+            <a:pPr lvl="1">
+              <a:buFont typeface="Wingdings" panose="05000000000000000000" pitchFamily="2" charset="2"/>
+              <a:buChar char="Ø"/>
+            </a:pPr>
+            <a:endParaRPr lang="en-US" dirty="0" smtClean="0"/>
+          </a:p>
+          <a:p>
+            <a:pPr>
+              <a:buFont typeface="Wingdings" panose="05000000000000000000" pitchFamily="2" charset="2"/>
+              <a:buChar char="Ø"/>
+            </a:pPr>
+            <a:r>
+              <a:rPr lang="en-US" dirty="0">
+                <a:hlinkClick r:id="rId2"/>
+              </a:rPr>
+              <a:t>https://getbootstrap.com/docs/4.1/examples</a:t>
+            </a:r>
+            <a:r>
+              <a:rPr lang="en-US" dirty="0" smtClean="0">
+                <a:hlinkClick r:id="rId2"/>
+              </a:rPr>
+              <a:t>/</a:t>
+            </a:r>
+            <a:r>
+              <a:rPr lang="en-US" dirty="0" smtClean="0"/>
+              <a:t> (Starter Template)</a:t>
+            </a:r>
+          </a:p>
+          <a:p>
+            <a:pPr>
+              <a:buFont typeface="Wingdings" panose="05000000000000000000" pitchFamily="2" charset="2"/>
+              <a:buChar char="Ø"/>
+            </a:pPr>
+            <a:r>
+              <a:rPr lang="en-US" dirty="0" smtClean="0"/>
+              <a:t>Layout?</a:t>
+            </a:r>
+          </a:p>
+          <a:p>
+            <a:pPr>
+              <a:buFont typeface="Wingdings" panose="05000000000000000000" pitchFamily="2" charset="2"/>
+              <a:buChar char="Ø"/>
+            </a:pPr>
+            <a:r>
+              <a:rPr lang="en-US" dirty="0" smtClean="0"/>
+              <a:t>Routing?</a:t>
+            </a:r>
+          </a:p>
+          <a:p>
+            <a:pPr>
+              <a:buFont typeface="Wingdings" panose="05000000000000000000" pitchFamily="2" charset="2"/>
+              <a:buChar char="Ø"/>
+            </a:pPr>
+            <a:r>
+              <a:rPr lang="en-US" dirty="0" smtClean="0"/>
+              <a:t>Login Page?</a:t>
+            </a:r>
+          </a:p>
+          <a:p>
+            <a:pPr>
+              <a:buFont typeface="Wingdings" panose="05000000000000000000" pitchFamily="2" charset="2"/>
+              <a:buChar char="Ø"/>
+            </a:pPr>
+            <a:endParaRPr lang="en-US" dirty="0"/>
+          </a:p>
+        </p:txBody>
+      </p:sp>
+    </p:spTree>
+    <p:extLst>
+      <p:ext uri="{BB962C8B-B14F-4D97-AF65-F5344CB8AC3E}">
+        <p14:creationId xmlns:p14="http://schemas.microsoft.com/office/powerpoint/2010/main" val="3507555760"/>
+      </p:ext>
+    </p:extLst>
+  </p:cSld>
+  <p:clrMapOvr>
+    <a:masterClrMapping/>
+  </p:clrMapOvr>
+  <p:timing>
+    <p:tnLst>
+      <p:par>
+        <p:cTn id="1" dur="indefinite" restart="never" nodeType="tmRoot"/>
+      </p:par>
+    </p:tnLst>
+  </p:timing>
+</p:sld>
+</file>
+
+<file path=ppt/slides/slide13.xml><?xml version="1.0" encoding="utf-8"?>
+<p:sld xmlns:a="http://schemas.openxmlformats.org/drawingml/2006/main" xmlns:r="http://schemas.openxmlformats.org/officeDocument/2006/relationships" xmlns:p="http://schemas.openxmlformats.org/presentationml/2006/main">
+  <p:cSld>
+    <p:spTree>
+      <p:nvGrpSpPr>
+        <p:cNvPr id="1" name=""/>
+        <p:cNvGrpSpPr/>
+        <p:nvPr/>
+      </p:nvGrpSpPr>
+      <p:grpSpPr>
+        <a:xfrm>
+          <a:off x="0" y="0"/>
+          <a:ext cx="0" cy="0"/>
+          <a:chOff x="0" y="0"/>
+          <a:chExt cx="0" cy="0"/>
+        </a:xfrm>
+      </p:grpSpPr>
+      <p:sp>
+        <p:nvSpPr>
+          <p:cNvPr id="2" name="Title 1"/>
+          <p:cNvSpPr>
+            <a:spLocks noGrp="1"/>
+          </p:cNvSpPr>
+          <p:nvPr>
+            <p:ph type="title"/>
+          </p:nvPr>
+        </p:nvSpPr>
+        <p:spPr/>
+        <p:txBody>
+          <a:bodyPr/>
+          <a:lstStyle/>
+          <a:p>
+            <a:r>
+              <a:rPr lang="en-US" dirty="0" smtClean="0"/>
+              <a:t>Home Page &amp; Login Page</a:t>
+            </a:r>
+            <a:endParaRPr lang="tr-TR" dirty="0"/>
+          </a:p>
+        </p:txBody>
+      </p:sp>
+      <p:sp>
+        <p:nvSpPr>
+          <p:cNvPr id="3" name="Content Placeholder 2"/>
+          <p:cNvSpPr>
+            <a:spLocks noGrp="1"/>
+          </p:cNvSpPr>
+          <p:nvPr>
+            <p:ph idx="1"/>
+          </p:nvPr>
+        </p:nvSpPr>
+        <p:spPr>
+          <a:xfrm>
+            <a:off x="1097280" y="1845734"/>
+            <a:ext cx="10058400" cy="4396804"/>
+          </a:xfrm>
+        </p:spPr>
+        <p:txBody>
+          <a:bodyPr/>
+          <a:lstStyle/>
+          <a:p>
+            <a:pPr>
+              <a:buFont typeface="Wingdings" panose="05000000000000000000" pitchFamily="2" charset="2"/>
+              <a:buChar char="Ø"/>
+            </a:pPr>
+            <a:r>
+              <a:rPr lang="en-US" sz="1800" dirty="0" smtClean="0"/>
+              <a:t>cd </a:t>
+            </a:r>
+            <a:r>
+              <a:rPr lang="en-US" sz="1800" dirty="0" err="1" smtClean="0"/>
+              <a:t>src</a:t>
+            </a:r>
+            <a:r>
+              <a:rPr lang="en-US" sz="1800" dirty="0" smtClean="0"/>
+              <a:t>/app</a:t>
+            </a:r>
+          </a:p>
+          <a:p>
+            <a:pPr>
+              <a:buFont typeface="Wingdings" panose="05000000000000000000" pitchFamily="2" charset="2"/>
+              <a:buChar char="Ø"/>
+            </a:pPr>
+            <a:r>
+              <a:rPr lang="en-US" sz="1800" dirty="0" smtClean="0"/>
+              <a:t>ng generate component Login</a:t>
+            </a:r>
+          </a:p>
+          <a:p>
+            <a:pPr>
+              <a:buFont typeface="Wingdings" panose="05000000000000000000" pitchFamily="2" charset="2"/>
+              <a:buChar char="Ø"/>
+            </a:pPr>
+            <a:r>
+              <a:rPr lang="en-US" sz="1800" dirty="0">
+                <a:hlinkClick r:id="rId2"/>
+              </a:rPr>
+              <a:t>https://getbootstrap.com/docs/4.1/examples/</a:t>
+            </a:r>
+            <a:r>
+              <a:rPr lang="en-US" sz="1800" dirty="0"/>
+              <a:t> </a:t>
+            </a:r>
+            <a:r>
+              <a:rPr lang="en-US" sz="1800" dirty="0" smtClean="0"/>
+              <a:t>(</a:t>
+            </a:r>
+            <a:r>
+              <a:rPr lang="en-US" sz="1800" dirty="0" err="1" smtClean="0"/>
+              <a:t>Signin</a:t>
+            </a:r>
+            <a:r>
+              <a:rPr lang="en-US" sz="1800" dirty="0" smtClean="0"/>
+              <a:t>)</a:t>
+            </a:r>
+          </a:p>
+          <a:p>
+            <a:pPr>
+              <a:buFont typeface="Wingdings" panose="05000000000000000000" pitchFamily="2" charset="2"/>
+              <a:buChar char="Ø"/>
+            </a:pPr>
+            <a:r>
+              <a:rPr lang="en-US" sz="1800" dirty="0" err="1" smtClean="0"/>
+              <a:t>mkdir</a:t>
+            </a:r>
+            <a:r>
+              <a:rPr lang="en-US" sz="1800" dirty="0" smtClean="0"/>
+              <a:t> question</a:t>
+            </a:r>
+          </a:p>
+          <a:p>
+            <a:pPr>
+              <a:buFont typeface="Wingdings" panose="05000000000000000000" pitchFamily="2" charset="2"/>
+              <a:buChar char="Ø"/>
+            </a:pPr>
+            <a:r>
+              <a:rPr lang="en-US" sz="1800" dirty="0" err="1"/>
+              <a:t>m</a:t>
+            </a:r>
+            <a:r>
+              <a:rPr lang="en-US" sz="1800" dirty="0" err="1" smtClean="0"/>
+              <a:t>kdir</a:t>
+            </a:r>
+            <a:r>
+              <a:rPr lang="en-US" sz="1800" dirty="0" smtClean="0"/>
+              <a:t> user</a:t>
+            </a:r>
+          </a:p>
+          <a:p>
+            <a:pPr>
+              <a:buFont typeface="Wingdings" panose="05000000000000000000" pitchFamily="2" charset="2"/>
+              <a:buChar char="Ø"/>
+            </a:pPr>
+            <a:r>
+              <a:rPr lang="en-US" sz="1800" dirty="0" smtClean="0"/>
+              <a:t>cd question</a:t>
+            </a:r>
+          </a:p>
+          <a:p>
+            <a:pPr>
+              <a:buFont typeface="Wingdings" panose="05000000000000000000" pitchFamily="2" charset="2"/>
+              <a:buChar char="Ø"/>
+            </a:pPr>
+            <a:r>
+              <a:rPr lang="en-US" sz="1800" dirty="0" smtClean="0"/>
+              <a:t>ng </a:t>
+            </a:r>
+            <a:r>
+              <a:rPr lang="en-US" sz="1800" dirty="0"/>
+              <a:t>generate component </a:t>
+            </a:r>
+            <a:r>
+              <a:rPr lang="en-US" sz="1800" dirty="0" err="1" smtClean="0"/>
+              <a:t>QuestionList</a:t>
+            </a:r>
+            <a:endParaRPr lang="en-US" sz="1800" dirty="0" smtClean="0"/>
+          </a:p>
+          <a:p>
+            <a:pPr>
+              <a:buFont typeface="Wingdings" panose="05000000000000000000" pitchFamily="2" charset="2"/>
+              <a:buChar char="Ø"/>
+            </a:pPr>
+            <a:r>
+              <a:rPr lang="en-US" sz="1800" dirty="0"/>
+              <a:t>ng generate component </a:t>
+            </a:r>
+            <a:r>
+              <a:rPr lang="en-US" sz="1800" dirty="0" err="1" smtClean="0"/>
+              <a:t>QuestionDetail</a:t>
+            </a:r>
+            <a:endParaRPr lang="en-US" sz="1800" dirty="0" smtClean="0"/>
+          </a:p>
+          <a:p>
+            <a:pPr>
+              <a:buFont typeface="Wingdings" panose="05000000000000000000" pitchFamily="2" charset="2"/>
+              <a:buChar char="Ø"/>
+            </a:pPr>
+            <a:r>
+              <a:rPr lang="en-US" sz="1800" dirty="0"/>
+              <a:t>cd </a:t>
+            </a:r>
+            <a:r>
+              <a:rPr lang="en-US" sz="1800" dirty="0" smtClean="0"/>
+              <a:t>../user</a:t>
+            </a:r>
+          </a:p>
+          <a:p>
+            <a:pPr>
+              <a:buFont typeface="Wingdings" panose="05000000000000000000" pitchFamily="2" charset="2"/>
+              <a:buChar char="Ø"/>
+            </a:pPr>
+            <a:r>
+              <a:rPr lang="en-US" sz="1800" dirty="0"/>
+              <a:t>ng generate component </a:t>
+            </a:r>
+            <a:r>
+              <a:rPr lang="en-US" sz="1800" dirty="0" smtClean="0"/>
+              <a:t>Profile</a:t>
+            </a:r>
+            <a:endParaRPr lang="en-US" sz="1800" dirty="0"/>
+          </a:p>
+          <a:p>
+            <a:pPr>
+              <a:buFont typeface="Wingdings" panose="05000000000000000000" pitchFamily="2" charset="2"/>
+              <a:buChar char="Ø"/>
+            </a:pPr>
+            <a:endParaRPr lang="en-US" sz="1800" dirty="0" smtClean="0"/>
+          </a:p>
+          <a:p>
+            <a:pPr>
+              <a:buFont typeface="Wingdings" panose="05000000000000000000" pitchFamily="2" charset="2"/>
+              <a:buChar char="Ø"/>
+            </a:pPr>
+            <a:endParaRPr lang="en-US" dirty="0" smtClean="0"/>
+          </a:p>
+          <a:p>
+            <a:pPr>
+              <a:buFont typeface="Wingdings" panose="05000000000000000000" pitchFamily="2" charset="2"/>
+              <a:buChar char="Ø"/>
+            </a:pPr>
+            <a:endParaRPr lang="en-US" dirty="0" smtClean="0"/>
+          </a:p>
+          <a:p>
+            <a:pPr>
+              <a:buFont typeface="Wingdings" panose="05000000000000000000" pitchFamily="2" charset="2"/>
+              <a:buChar char="Ø"/>
+            </a:pPr>
+            <a:endParaRPr lang="en-US" dirty="0" smtClean="0"/>
+          </a:p>
+          <a:p>
+            <a:pPr>
+              <a:buFont typeface="Wingdings" panose="05000000000000000000" pitchFamily="2" charset="2"/>
+              <a:buChar char="Ø"/>
+            </a:pPr>
+            <a:endParaRPr lang="en-US" dirty="0"/>
+          </a:p>
+          <a:p>
+            <a:pPr>
+              <a:buFont typeface="Wingdings" panose="05000000000000000000" pitchFamily="2" charset="2"/>
+              <a:buChar char="Ø"/>
+            </a:pPr>
+            <a:endParaRPr lang="en-US" dirty="0"/>
+          </a:p>
+          <a:p>
+            <a:pPr>
+              <a:buFont typeface="Wingdings" panose="05000000000000000000" pitchFamily="2" charset="2"/>
+              <a:buChar char="Ø"/>
+            </a:pPr>
+            <a:endParaRPr lang="en-US" dirty="0"/>
+          </a:p>
+          <a:p>
+            <a:pPr>
+              <a:buFont typeface="Wingdings" panose="05000000000000000000" pitchFamily="2" charset="2"/>
+              <a:buChar char="Ø"/>
+            </a:pPr>
+            <a:endParaRPr lang="tr-TR" dirty="0"/>
+          </a:p>
+        </p:txBody>
+      </p:sp>
+    </p:spTree>
+    <p:extLst>
+      <p:ext uri="{BB962C8B-B14F-4D97-AF65-F5344CB8AC3E}">
+        <p14:creationId xmlns:p14="http://schemas.microsoft.com/office/powerpoint/2010/main" val="212762957"/>
+      </p:ext>
+    </p:extLst>
+  </p:cSld>
+  <p:clrMapOvr>
+    <a:masterClrMapping/>
+  </p:clrMapOvr>
+  <p:timing>
+    <p:tnLst>
+      <p:par>
+        <p:cTn id="1" dur="indefinite" restart="never" nodeType="tmRoot"/>
+      </p:par>
+    </p:tnLst>
+  </p:timing>
+</p:sld>
+</file>
+
+<file path=ppt/slides/slide14.xml><?xml version="1.0" encoding="utf-8"?>
+<p:sld xmlns:a="http://schemas.openxmlformats.org/drawingml/2006/main" xmlns:r="http://schemas.openxmlformats.org/officeDocument/2006/relationships" xmlns:p="http://schemas.openxmlformats.org/presentationml/2006/main">
+  <p:cSld>
+    <p:spTree>
+      <p:nvGrpSpPr>
+        <p:cNvPr id="1" name=""/>
+        <p:cNvGrpSpPr/>
+        <p:nvPr/>
+      </p:nvGrpSpPr>
+      <p:grpSpPr>
+        <a:xfrm>
+          <a:off x="0" y="0"/>
+          <a:ext cx="0" cy="0"/>
+          <a:chOff x="0" y="0"/>
+          <a:chExt cx="0" cy="0"/>
+        </a:xfrm>
+      </p:grpSpPr>
+      <p:sp>
+        <p:nvSpPr>
+          <p:cNvPr id="2" name="Title 1"/>
+          <p:cNvSpPr>
+            <a:spLocks noGrp="1"/>
+          </p:cNvSpPr>
+          <p:nvPr>
+            <p:ph type="title"/>
+          </p:nvPr>
+        </p:nvSpPr>
+        <p:spPr/>
+        <p:txBody>
+          <a:bodyPr/>
+          <a:lstStyle/>
+          <a:p>
+            <a:r>
+              <a:rPr lang="en-US" dirty="0" smtClean="0"/>
+              <a:t>Layout and Routing</a:t>
+            </a:r>
+            <a:endParaRPr lang="tr-TR" dirty="0"/>
+          </a:p>
+        </p:txBody>
+      </p:sp>
+      <p:sp>
+        <p:nvSpPr>
+          <p:cNvPr id="3" name="Content Placeholder 2"/>
+          <p:cNvSpPr>
+            <a:spLocks noGrp="1"/>
+          </p:cNvSpPr>
+          <p:nvPr>
+            <p:ph idx="1"/>
+          </p:nvPr>
+        </p:nvSpPr>
+        <p:spPr/>
+        <p:txBody>
+          <a:bodyPr>
+            <a:normAutofit/>
+          </a:bodyPr>
+          <a:lstStyle/>
+          <a:p>
+            <a:pPr lvl="1">
+              <a:buFont typeface="Wingdings" panose="05000000000000000000" pitchFamily="2" charset="2"/>
+              <a:buChar char="Ø"/>
+            </a:pPr>
+            <a:r>
+              <a:rPr lang="tr-TR" dirty="0" err="1" smtClean="0"/>
+              <a:t>RouterModule</a:t>
+            </a:r>
+            <a:endParaRPr lang="en-US" dirty="0" smtClean="0"/>
+          </a:p>
+          <a:p>
+            <a:pPr lvl="2">
+              <a:buFont typeface="Wingdings" panose="05000000000000000000" pitchFamily="2" charset="2"/>
+              <a:buChar char="Ø"/>
+            </a:pPr>
+            <a:r>
+              <a:rPr lang="tr-TR" dirty="0" err="1"/>
+              <a:t>import</a:t>
+            </a:r>
+            <a:r>
+              <a:rPr lang="tr-TR" dirty="0"/>
+              <a:t> { </a:t>
+            </a:r>
+            <a:r>
+              <a:rPr lang="tr-TR" dirty="0" err="1"/>
+              <a:t>RouterModule</a:t>
+            </a:r>
+            <a:r>
+              <a:rPr lang="tr-TR" dirty="0"/>
+              <a:t> } </a:t>
+            </a:r>
+            <a:r>
+              <a:rPr lang="tr-TR" dirty="0" err="1"/>
+              <a:t>from</a:t>
+            </a:r>
+            <a:r>
+              <a:rPr lang="tr-TR" dirty="0"/>
+              <a:t> '@</a:t>
+            </a:r>
+            <a:r>
+              <a:rPr lang="tr-TR" dirty="0" err="1"/>
+              <a:t>angular</a:t>
+            </a:r>
+            <a:r>
+              <a:rPr lang="tr-TR" dirty="0"/>
+              <a:t>/</a:t>
+            </a:r>
+            <a:r>
+              <a:rPr lang="tr-TR" dirty="0" err="1"/>
+              <a:t>router</a:t>
+            </a:r>
+            <a:r>
+              <a:rPr lang="tr-TR" dirty="0" smtClean="0"/>
+              <a:t>';</a:t>
+            </a:r>
+            <a:endParaRPr lang="en-US" dirty="0" smtClean="0"/>
+          </a:p>
+          <a:p>
+            <a:pPr lvl="2">
+              <a:buFont typeface="Wingdings" panose="05000000000000000000" pitchFamily="2" charset="2"/>
+              <a:buChar char="Ø"/>
+            </a:pPr>
+            <a:r>
+              <a:rPr lang="en-US" dirty="0" smtClean="0"/>
+              <a:t>&lt;router-outlet&gt;&lt;/router-outlet&gt;</a:t>
+            </a:r>
+          </a:p>
+          <a:p>
+            <a:pPr marL="201168" lvl="1" indent="0">
+              <a:buNone/>
+            </a:pPr>
+            <a:r>
+              <a:rPr lang="en-US" sz="1000" dirty="0"/>
+              <a:t> </a:t>
+            </a:r>
+            <a:r>
+              <a:rPr lang="en-US" sz="1000" dirty="0" err="1"/>
+              <a:t>RouterModule.forRoot</a:t>
+            </a:r>
+            <a:r>
+              <a:rPr lang="en-US" sz="1000" dirty="0"/>
+              <a:t>([</a:t>
+            </a:r>
+          </a:p>
+          <a:p>
+            <a:pPr marL="201168" lvl="1" indent="0">
+              <a:buNone/>
+            </a:pPr>
+            <a:r>
+              <a:rPr lang="en-US" sz="1000" dirty="0"/>
+              <a:t>      { path: 'question/list', component: </a:t>
+            </a:r>
+            <a:r>
+              <a:rPr lang="en-US" sz="1000" dirty="0" err="1"/>
+              <a:t>QuestionListComponent</a:t>
+            </a:r>
+            <a:r>
+              <a:rPr lang="en-US" sz="1000" dirty="0"/>
+              <a:t> },</a:t>
+            </a:r>
+          </a:p>
+          <a:p>
+            <a:pPr marL="201168" lvl="1" indent="0">
+              <a:buNone/>
+            </a:pPr>
+            <a:r>
+              <a:rPr lang="en-US" sz="1000" dirty="0"/>
+              <a:t>      { path: 'question/ask', component: </a:t>
+            </a:r>
+            <a:r>
+              <a:rPr lang="en-US" sz="1000" dirty="0" err="1"/>
+              <a:t>QuestionAskComponent</a:t>
+            </a:r>
+            <a:r>
+              <a:rPr lang="en-US" sz="1000" dirty="0"/>
+              <a:t> },</a:t>
+            </a:r>
+          </a:p>
+          <a:p>
+            <a:pPr marL="201168" lvl="1" indent="0">
+              <a:buNone/>
+            </a:pPr>
+            <a:r>
+              <a:rPr lang="en-US" sz="1000" dirty="0"/>
+              <a:t>      { path: 'question/detail', component: </a:t>
+            </a:r>
+            <a:r>
+              <a:rPr lang="en-US" sz="1000" dirty="0" err="1"/>
+              <a:t>QuestionDetailComponent</a:t>
+            </a:r>
+            <a:r>
+              <a:rPr lang="en-US" sz="1000" dirty="0"/>
+              <a:t> },</a:t>
+            </a:r>
+          </a:p>
+          <a:p>
+            <a:pPr marL="201168" lvl="1" indent="0">
+              <a:buNone/>
+            </a:pPr>
+            <a:r>
+              <a:rPr lang="en-US" sz="1000" dirty="0"/>
+              <a:t>      { path: 'login', component: </a:t>
+            </a:r>
+            <a:r>
+              <a:rPr lang="en-US" sz="1000" dirty="0" err="1"/>
+              <a:t>LoginComponent</a:t>
+            </a:r>
+            <a:r>
+              <a:rPr lang="en-US" sz="1000" dirty="0"/>
+              <a:t> },</a:t>
+            </a:r>
+          </a:p>
+          <a:p>
+            <a:pPr marL="201168" lvl="1" indent="0">
+              <a:buNone/>
+            </a:pPr>
+            <a:r>
+              <a:rPr lang="en-US" sz="1000" dirty="0"/>
+              <a:t>    ])</a:t>
+            </a:r>
+            <a:endParaRPr lang="en-US" sz="1000" dirty="0" smtClean="0"/>
+          </a:p>
+          <a:p>
+            <a:pPr lvl="1">
+              <a:buFont typeface="Wingdings" panose="05000000000000000000" pitchFamily="2" charset="2"/>
+              <a:buChar char="Ø"/>
+            </a:pPr>
+            <a:r>
+              <a:rPr lang="tr-TR" dirty="0">
+                <a:hlinkClick r:id="rId3"/>
+              </a:rPr>
+              <a:t>http://</a:t>
+            </a:r>
+            <a:r>
+              <a:rPr lang="tr-TR" dirty="0" smtClean="0">
+                <a:hlinkClick r:id="rId3"/>
+              </a:rPr>
+              <a:t>localhost:4200/question/list</a:t>
+            </a:r>
+            <a:r>
+              <a:rPr lang="en-US" dirty="0" smtClean="0"/>
+              <a:t> </a:t>
+            </a:r>
+          </a:p>
+          <a:p>
+            <a:pPr lvl="1">
+              <a:buFont typeface="Wingdings" panose="05000000000000000000" pitchFamily="2" charset="2"/>
+              <a:buChar char="Ø"/>
+            </a:pPr>
+            <a:r>
+              <a:rPr lang="en-US" dirty="0">
+                <a:hlinkClick r:id="rId4"/>
+              </a:rPr>
+              <a:t>http://</a:t>
+            </a:r>
+            <a:r>
+              <a:rPr lang="en-US" dirty="0" smtClean="0">
+                <a:hlinkClick r:id="rId4"/>
+              </a:rPr>
+              <a:t>localhost:4200/login</a:t>
+            </a:r>
+            <a:r>
+              <a:rPr lang="en-US" dirty="0" smtClean="0"/>
+              <a:t> </a:t>
+            </a:r>
+          </a:p>
+          <a:p>
+            <a:pPr lvl="1">
+              <a:buFont typeface="Wingdings" panose="05000000000000000000" pitchFamily="2" charset="2"/>
+              <a:buChar char="Ø"/>
+            </a:pPr>
+            <a:r>
+              <a:rPr lang="en-US" dirty="0">
+                <a:hlinkClick r:id="rId5"/>
+              </a:rPr>
+              <a:t>http://</a:t>
+            </a:r>
+            <a:r>
+              <a:rPr lang="en-US" dirty="0" smtClean="0">
+                <a:hlinkClick r:id="rId5"/>
+              </a:rPr>
+              <a:t>localhost:4200/</a:t>
+            </a:r>
+            <a:r>
+              <a:rPr lang="en-US" dirty="0" smtClean="0"/>
+              <a:t> </a:t>
+            </a:r>
+          </a:p>
+          <a:p>
+            <a:pPr lvl="1">
+              <a:buFont typeface="Wingdings" panose="05000000000000000000" pitchFamily="2" charset="2"/>
+              <a:buChar char="Ø"/>
+            </a:pPr>
+            <a:r>
+              <a:rPr lang="en-US" dirty="0" smtClean="0"/>
+              <a:t>How can we make a common layout for </a:t>
+            </a:r>
+            <a:r>
+              <a:rPr lang="en-US" dirty="0" err="1" smtClean="0"/>
+              <a:t>QuestionList</a:t>
+            </a:r>
+            <a:r>
+              <a:rPr lang="en-US" dirty="0" smtClean="0"/>
+              <a:t> &amp; </a:t>
+            </a:r>
+            <a:r>
+              <a:rPr lang="en-US" dirty="0" err="1" smtClean="0"/>
+              <a:t>QustionAsk</a:t>
+            </a:r>
+            <a:r>
+              <a:rPr lang="en-US" dirty="0" smtClean="0"/>
+              <a:t> and </a:t>
+            </a:r>
+            <a:r>
+              <a:rPr lang="en-US" dirty="0" err="1" smtClean="0"/>
+              <a:t>UserProfile</a:t>
+            </a:r>
+            <a:r>
+              <a:rPr lang="en-US" dirty="0" smtClean="0"/>
+              <a:t> pages?</a:t>
+            </a:r>
+          </a:p>
+          <a:p>
+            <a:pPr lvl="1">
+              <a:buFont typeface="Wingdings" panose="05000000000000000000" pitchFamily="2" charset="2"/>
+              <a:buChar char="Ø"/>
+            </a:pPr>
+            <a:r>
+              <a:rPr lang="en-US" dirty="0" smtClean="0"/>
+              <a:t>[</a:t>
+            </a:r>
+            <a:r>
+              <a:rPr lang="en-US" dirty="0" err="1" smtClean="0"/>
+              <a:t>routerLink</a:t>
+            </a:r>
+            <a:r>
+              <a:rPr lang="en-US" dirty="0" smtClean="0"/>
+              <a:t>]</a:t>
+            </a:r>
+            <a:endParaRPr lang="en-US" dirty="0"/>
+          </a:p>
+          <a:p>
+            <a:pPr marL="201168" lvl="1" indent="0">
+              <a:buNone/>
+            </a:pPr>
+            <a:endParaRPr lang="en-US" dirty="0" smtClean="0"/>
+          </a:p>
+          <a:p>
+            <a:pPr marL="201168" lvl="1" indent="0">
+              <a:buNone/>
+            </a:pPr>
+            <a:endParaRPr lang="tr-TR" dirty="0"/>
+          </a:p>
+        </p:txBody>
+      </p:sp>
+    </p:spTree>
+    <p:extLst>
+      <p:ext uri="{BB962C8B-B14F-4D97-AF65-F5344CB8AC3E}">
+        <p14:creationId xmlns:p14="http://schemas.microsoft.com/office/powerpoint/2010/main" val="371360607"/>
+      </p:ext>
+    </p:extLst>
+  </p:cSld>
+  <p:clrMapOvr>
+    <a:masterClrMapping/>
+  </p:clrMapOvr>
+  <p:timing>
+    <p:tnLst>
+      <p:par>
+        <p:cTn id="1" dur="indefinite" restart="never" nodeType="tmRoot"/>
+      </p:par>
+    </p:tnLst>
+  </p:timing>
+</p:sld>
+</file>
+
+<file path=ppt/slides/slide15.xml><?xml version="1.0" encoding="utf-8"?>
+<p:sld xmlns:a="http://schemas.openxmlformats.org/drawingml/2006/main" xmlns:r="http://schemas.openxmlformats.org/officeDocument/2006/relationships" xmlns:p="http://schemas.openxmlformats.org/presentationml/2006/main">
+  <p:cSld>
+    <p:spTree>
+      <p:nvGrpSpPr>
+        <p:cNvPr id="1" name=""/>
+        <p:cNvGrpSpPr/>
+        <p:nvPr/>
+      </p:nvGrpSpPr>
+      <p:grpSpPr>
+        <a:xfrm>
+          <a:off x="0" y="0"/>
+          <a:ext cx="0" cy="0"/>
+          <a:chOff x="0" y="0"/>
+          <a:chExt cx="0" cy="0"/>
+        </a:xfrm>
+      </p:grpSpPr>
+      <p:sp>
+        <p:nvSpPr>
+          <p:cNvPr id="2" name="Title 1"/>
+          <p:cNvSpPr>
+            <a:spLocks noGrp="1"/>
+          </p:cNvSpPr>
+          <p:nvPr>
+            <p:ph type="title"/>
+          </p:nvPr>
+        </p:nvSpPr>
+        <p:spPr/>
+        <p:txBody>
+          <a:bodyPr/>
+          <a:lstStyle/>
+          <a:p>
+            <a:r>
+              <a:rPr lang="en-US" dirty="0" smtClean="0"/>
+              <a:t>Layout Component</a:t>
+            </a:r>
+            <a:endParaRPr lang="tr-TR" dirty="0"/>
+          </a:p>
+        </p:txBody>
+      </p:sp>
+      <p:sp>
+        <p:nvSpPr>
+          <p:cNvPr id="3" name="Content Placeholder 2"/>
+          <p:cNvSpPr>
+            <a:spLocks noGrp="1"/>
+          </p:cNvSpPr>
+          <p:nvPr>
+            <p:ph idx="1"/>
+          </p:nvPr>
+        </p:nvSpPr>
+        <p:spPr>
+          <a:xfrm>
+            <a:off x="1097280" y="1845734"/>
+            <a:ext cx="10058400" cy="4396804"/>
+          </a:xfrm>
+        </p:spPr>
+        <p:txBody>
+          <a:bodyPr>
+            <a:normAutofit fontScale="32500" lnSpcReduction="20000"/>
+          </a:bodyPr>
+          <a:lstStyle/>
+          <a:p>
+            <a:pPr>
+              <a:buFont typeface="Wingdings" panose="05000000000000000000" pitchFamily="2" charset="2"/>
+              <a:buChar char="Ø"/>
+            </a:pPr>
+            <a:r>
+              <a:rPr lang="en-US" sz="7200" dirty="0" smtClean="0"/>
+              <a:t>ng generate component Layout</a:t>
+            </a:r>
+          </a:p>
+          <a:p>
+            <a:pPr marL="0" indent="0">
+              <a:buNone/>
+            </a:pPr>
+            <a:r>
+              <a:rPr lang="tr-TR" sz="2500" dirty="0"/>
+              <a:t> </a:t>
+            </a:r>
+            <a:r>
+              <a:rPr lang="tr-TR" sz="2500" dirty="0" err="1"/>
+              <a:t>RouterModule.forRoot</a:t>
+            </a:r>
+            <a:r>
+              <a:rPr lang="tr-TR" sz="2500" dirty="0" smtClean="0"/>
+              <a:t>([</a:t>
+            </a:r>
+            <a:endParaRPr lang="en-US" sz="2500" dirty="0" smtClean="0"/>
+          </a:p>
+          <a:p>
+            <a:pPr marL="0" indent="0">
+              <a:buNone/>
+            </a:pPr>
+            <a:r>
+              <a:rPr lang="tr-TR" sz="2500" dirty="0" smtClean="0"/>
+              <a:t>      </a:t>
+            </a:r>
+            <a:r>
+              <a:rPr lang="tr-TR" sz="2500" dirty="0"/>
+              <a:t>//Site </a:t>
+            </a:r>
+            <a:r>
+              <a:rPr lang="tr-TR" sz="2500" dirty="0" err="1"/>
+              <a:t>routes</a:t>
+            </a:r>
+            <a:r>
+              <a:rPr lang="tr-TR" sz="2500" dirty="0"/>
+              <a:t> </a:t>
+            </a:r>
+            <a:r>
+              <a:rPr lang="tr-TR" sz="2500" dirty="0" err="1"/>
+              <a:t>goes</a:t>
+            </a:r>
+            <a:r>
+              <a:rPr lang="tr-TR" sz="2500" dirty="0"/>
+              <a:t> here </a:t>
+            </a:r>
+          </a:p>
+          <a:p>
+            <a:pPr marL="0" indent="0">
+              <a:buNone/>
+            </a:pPr>
+            <a:r>
+              <a:rPr lang="tr-TR" sz="2500" dirty="0"/>
+              <a:t>      {</a:t>
+            </a:r>
+          </a:p>
+          <a:p>
+            <a:pPr marL="0" indent="0">
+              <a:buNone/>
+            </a:pPr>
+            <a:r>
+              <a:rPr lang="tr-TR" sz="2500" dirty="0"/>
+              <a:t>        </a:t>
+            </a:r>
+            <a:r>
+              <a:rPr lang="tr-TR" sz="2500" dirty="0" err="1"/>
+              <a:t>path</a:t>
+            </a:r>
+            <a:r>
+              <a:rPr lang="tr-TR" sz="2500" dirty="0"/>
+              <a:t>: '',</a:t>
+            </a:r>
+          </a:p>
+          <a:p>
+            <a:pPr marL="0" indent="0">
+              <a:buNone/>
+            </a:pPr>
+            <a:r>
+              <a:rPr lang="tr-TR" sz="2500" dirty="0"/>
+              <a:t>        </a:t>
+            </a:r>
+            <a:r>
+              <a:rPr lang="tr-TR" sz="2500" dirty="0" err="1"/>
+              <a:t>component</a:t>
+            </a:r>
+            <a:r>
+              <a:rPr lang="tr-TR" sz="2500" dirty="0"/>
+              <a:t>: </a:t>
+            </a:r>
+            <a:r>
+              <a:rPr lang="tr-TR" sz="2500" dirty="0" err="1"/>
+              <a:t>LayoutComponent</a:t>
+            </a:r>
+            <a:r>
+              <a:rPr lang="tr-TR" sz="2500" dirty="0"/>
+              <a:t>,</a:t>
+            </a:r>
+          </a:p>
+          <a:p>
+            <a:pPr marL="0" indent="0">
+              <a:buNone/>
+            </a:pPr>
+            <a:r>
+              <a:rPr lang="tr-TR" sz="2500" dirty="0"/>
+              <a:t>        </a:t>
+            </a:r>
+            <a:r>
+              <a:rPr lang="tr-TR" sz="2500" dirty="0" err="1"/>
+              <a:t>children</a:t>
+            </a:r>
+            <a:r>
+              <a:rPr lang="tr-TR" sz="2500" dirty="0"/>
+              <a:t>: [</a:t>
+            </a:r>
+          </a:p>
+          <a:p>
+            <a:pPr marL="0" indent="0">
+              <a:buNone/>
+            </a:pPr>
+            <a:r>
+              <a:rPr lang="tr-TR" sz="2500" dirty="0"/>
+              <a:t>          { </a:t>
+            </a:r>
+            <a:r>
+              <a:rPr lang="tr-TR" sz="2500" dirty="0" err="1"/>
+              <a:t>path</a:t>
+            </a:r>
+            <a:r>
+              <a:rPr lang="tr-TR" sz="2500" dirty="0"/>
+              <a:t>: '', </a:t>
+            </a:r>
+            <a:r>
+              <a:rPr lang="tr-TR" sz="2500" dirty="0" err="1"/>
+              <a:t>component</a:t>
+            </a:r>
+            <a:r>
+              <a:rPr lang="tr-TR" sz="2500" dirty="0"/>
+              <a:t>: </a:t>
+            </a:r>
+            <a:r>
+              <a:rPr lang="tr-TR" sz="2500" dirty="0" err="1"/>
+              <a:t>QuestionListComponent</a:t>
+            </a:r>
+            <a:r>
+              <a:rPr lang="tr-TR" sz="2500" dirty="0"/>
+              <a:t>, </a:t>
+            </a:r>
+            <a:r>
+              <a:rPr lang="tr-TR" sz="2500" dirty="0" err="1"/>
+              <a:t>pathMatch</a:t>
+            </a:r>
+            <a:r>
+              <a:rPr lang="tr-TR" sz="2500" dirty="0"/>
+              <a:t>: '</a:t>
+            </a:r>
+            <a:r>
+              <a:rPr lang="tr-TR" sz="2500" dirty="0" err="1"/>
+              <a:t>full</a:t>
+            </a:r>
+            <a:r>
+              <a:rPr lang="tr-TR" sz="2500" dirty="0"/>
+              <a:t>' },</a:t>
+            </a:r>
+          </a:p>
+          <a:p>
+            <a:pPr marL="0" indent="0">
+              <a:buNone/>
+            </a:pPr>
+            <a:r>
+              <a:rPr lang="tr-TR" sz="2500" dirty="0"/>
+              <a:t>          { </a:t>
+            </a:r>
+            <a:r>
+              <a:rPr lang="tr-TR" sz="2500" dirty="0" err="1"/>
+              <a:t>path</a:t>
+            </a:r>
+            <a:r>
+              <a:rPr lang="tr-TR" sz="2500" dirty="0"/>
+              <a:t>: 'profile', </a:t>
+            </a:r>
+            <a:r>
+              <a:rPr lang="tr-TR" sz="2500" dirty="0" err="1"/>
+              <a:t>component</a:t>
+            </a:r>
+            <a:r>
+              <a:rPr lang="tr-TR" sz="2500" dirty="0"/>
+              <a:t>: </a:t>
+            </a:r>
+            <a:r>
+              <a:rPr lang="tr-TR" sz="2500" dirty="0" err="1"/>
+              <a:t>ProfileComponent</a:t>
+            </a:r>
+            <a:r>
+              <a:rPr lang="tr-TR" sz="2500" dirty="0"/>
+              <a:t>, </a:t>
+            </a:r>
+            <a:r>
+              <a:rPr lang="tr-TR" sz="2500" dirty="0" err="1"/>
+              <a:t>pathMatch</a:t>
+            </a:r>
+            <a:r>
+              <a:rPr lang="tr-TR" sz="2500" dirty="0"/>
+              <a:t>: '</a:t>
+            </a:r>
+            <a:r>
+              <a:rPr lang="tr-TR" sz="2500" dirty="0" err="1"/>
+              <a:t>full</a:t>
+            </a:r>
+            <a:r>
+              <a:rPr lang="tr-TR" sz="2500" dirty="0"/>
+              <a:t>' },</a:t>
+            </a:r>
+          </a:p>
+          <a:p>
+            <a:pPr marL="0" indent="0">
+              <a:buNone/>
+            </a:pPr>
+            <a:r>
+              <a:rPr lang="tr-TR" sz="2500" dirty="0"/>
+              <a:t>          { </a:t>
+            </a:r>
+            <a:r>
+              <a:rPr lang="tr-TR" sz="2500" dirty="0" err="1"/>
+              <a:t>path</a:t>
+            </a:r>
+            <a:r>
+              <a:rPr lang="tr-TR" sz="2500" dirty="0"/>
+              <a:t>: '</a:t>
+            </a:r>
+            <a:r>
+              <a:rPr lang="tr-TR" sz="2500" dirty="0" err="1"/>
+              <a:t>question</a:t>
+            </a:r>
+            <a:r>
+              <a:rPr lang="tr-TR" sz="2500" dirty="0"/>
+              <a:t>/ask', </a:t>
+            </a:r>
+            <a:r>
+              <a:rPr lang="tr-TR" sz="2500" dirty="0" err="1"/>
+              <a:t>component</a:t>
+            </a:r>
+            <a:r>
+              <a:rPr lang="tr-TR" sz="2500" dirty="0"/>
+              <a:t>: </a:t>
+            </a:r>
+            <a:r>
+              <a:rPr lang="tr-TR" sz="2500" dirty="0" err="1"/>
+              <a:t>QuestionAskComponent</a:t>
+            </a:r>
+            <a:r>
+              <a:rPr lang="tr-TR" sz="2500" dirty="0"/>
+              <a:t>, </a:t>
+            </a:r>
+            <a:r>
+              <a:rPr lang="tr-TR" sz="2500" dirty="0" err="1"/>
+              <a:t>pathMatch</a:t>
+            </a:r>
+            <a:r>
+              <a:rPr lang="tr-TR" sz="2500" dirty="0"/>
+              <a:t>: '</a:t>
+            </a:r>
+            <a:r>
+              <a:rPr lang="tr-TR" sz="2500" dirty="0" err="1"/>
+              <a:t>full</a:t>
+            </a:r>
+            <a:r>
+              <a:rPr lang="tr-TR" sz="2500" dirty="0"/>
+              <a:t>' },</a:t>
+            </a:r>
+          </a:p>
+          <a:p>
+            <a:pPr marL="0" indent="0">
+              <a:buNone/>
+            </a:pPr>
+            <a:r>
+              <a:rPr lang="tr-TR" sz="2500" dirty="0"/>
+              <a:t>          { </a:t>
+            </a:r>
+            <a:r>
+              <a:rPr lang="tr-TR" sz="2500" dirty="0" err="1"/>
+              <a:t>path</a:t>
+            </a:r>
+            <a:r>
+              <a:rPr lang="tr-TR" sz="2500" dirty="0"/>
+              <a:t>: '</a:t>
+            </a:r>
+            <a:r>
+              <a:rPr lang="tr-TR" sz="2500" dirty="0" err="1"/>
+              <a:t>question</a:t>
+            </a:r>
+            <a:r>
+              <a:rPr lang="tr-TR" sz="2500" dirty="0"/>
+              <a:t>/</a:t>
+            </a:r>
+            <a:r>
+              <a:rPr lang="tr-TR" sz="2500" dirty="0" err="1"/>
+              <a:t>detail</a:t>
+            </a:r>
+            <a:r>
+              <a:rPr lang="tr-TR" sz="2500" dirty="0"/>
+              <a:t>/:</a:t>
+            </a:r>
+            <a:r>
+              <a:rPr lang="tr-TR" sz="2500" dirty="0" err="1"/>
+              <a:t>id</a:t>
+            </a:r>
+            <a:r>
+              <a:rPr lang="tr-TR" sz="2500" dirty="0"/>
+              <a:t>', </a:t>
+            </a:r>
+            <a:r>
+              <a:rPr lang="tr-TR" sz="2500" dirty="0" err="1"/>
+              <a:t>component</a:t>
+            </a:r>
+            <a:r>
+              <a:rPr lang="tr-TR" sz="2500" dirty="0"/>
+              <a:t>: </a:t>
+            </a:r>
+            <a:r>
+              <a:rPr lang="tr-TR" sz="2500" dirty="0" err="1"/>
+              <a:t>QuestionDetailComponent</a:t>
+            </a:r>
+            <a:r>
+              <a:rPr lang="tr-TR" sz="2500" dirty="0"/>
+              <a:t>}</a:t>
+            </a:r>
+          </a:p>
+          <a:p>
+            <a:pPr marL="0" indent="0">
+              <a:buNone/>
+            </a:pPr>
+            <a:r>
+              <a:rPr lang="tr-TR" sz="2500" dirty="0"/>
+              <a:t>        ]</a:t>
+            </a:r>
+          </a:p>
+          <a:p>
+            <a:pPr marL="0" indent="0">
+              <a:buNone/>
+            </a:pPr>
+            <a:r>
+              <a:rPr lang="tr-TR" sz="2500" dirty="0"/>
+              <a:t>      },</a:t>
+            </a:r>
+          </a:p>
+          <a:p>
+            <a:pPr marL="0" indent="0">
+              <a:buNone/>
+            </a:pPr>
+            <a:r>
+              <a:rPr lang="tr-TR" sz="2500" dirty="0"/>
+              <a:t>      //</a:t>
+            </a:r>
+            <a:r>
+              <a:rPr lang="tr-TR" sz="2500" dirty="0" err="1"/>
+              <a:t>no</a:t>
+            </a:r>
+            <a:r>
+              <a:rPr lang="tr-TR" sz="2500" dirty="0"/>
+              <a:t> </a:t>
+            </a:r>
+            <a:r>
+              <a:rPr lang="tr-TR" sz="2500" dirty="0" err="1"/>
+              <a:t>layout</a:t>
+            </a:r>
+            <a:r>
+              <a:rPr lang="tr-TR" sz="2500" dirty="0"/>
+              <a:t> </a:t>
+            </a:r>
+            <a:r>
+              <a:rPr lang="tr-TR" sz="2500" dirty="0" err="1"/>
+              <a:t>routes</a:t>
+            </a:r>
+            <a:endParaRPr lang="tr-TR" sz="2500" dirty="0"/>
+          </a:p>
+          <a:p>
+            <a:pPr marL="0" indent="0">
+              <a:buNone/>
+            </a:pPr>
+            <a:r>
+              <a:rPr lang="tr-TR" sz="2500" dirty="0"/>
+              <a:t>      { </a:t>
+            </a:r>
+            <a:r>
+              <a:rPr lang="tr-TR" sz="2500" dirty="0" err="1"/>
+              <a:t>path</a:t>
+            </a:r>
+            <a:r>
+              <a:rPr lang="tr-TR" sz="2500" dirty="0"/>
+              <a:t>: '</a:t>
+            </a:r>
+            <a:r>
+              <a:rPr lang="tr-TR" sz="2500" dirty="0" err="1"/>
+              <a:t>login</a:t>
+            </a:r>
+            <a:r>
+              <a:rPr lang="tr-TR" sz="2500" dirty="0"/>
+              <a:t>', </a:t>
+            </a:r>
+            <a:r>
+              <a:rPr lang="tr-TR" sz="2500" dirty="0" err="1"/>
+              <a:t>component</a:t>
+            </a:r>
+            <a:r>
+              <a:rPr lang="tr-TR" sz="2500" dirty="0"/>
+              <a:t>: </a:t>
+            </a:r>
+            <a:r>
+              <a:rPr lang="tr-TR" sz="2500" dirty="0" err="1"/>
+              <a:t>LoginComponent</a:t>
+            </a:r>
+            <a:r>
+              <a:rPr lang="tr-TR" sz="2500" dirty="0"/>
+              <a:t> },</a:t>
+            </a:r>
+          </a:p>
+          <a:p>
+            <a:pPr marL="0" indent="0">
+              <a:buNone/>
+            </a:pPr>
+            <a:r>
+              <a:rPr lang="tr-TR" sz="2500" dirty="0"/>
+              <a:t>    </a:t>
+            </a:r>
+            <a:r>
+              <a:rPr lang="tr-TR" sz="2500" dirty="0" smtClean="0"/>
+              <a:t>])</a:t>
+            </a:r>
+            <a:endParaRPr lang="tr-TR" sz="2500" dirty="0"/>
+          </a:p>
+        </p:txBody>
+      </p:sp>
+    </p:spTree>
+    <p:extLst>
+      <p:ext uri="{BB962C8B-B14F-4D97-AF65-F5344CB8AC3E}">
+        <p14:creationId xmlns:p14="http://schemas.microsoft.com/office/powerpoint/2010/main" val="2267558178"/>
+      </p:ext>
+    </p:extLst>
+  </p:cSld>
+  <p:clrMapOvr>
+    <a:masterClrMapping/>
+  </p:clrMapOvr>
+  <p:timing>
+    <p:tnLst>
+      <p:par>
+        <p:cTn id="1" dur="indefinite" restart="never" nodeType="tmRoot"/>
+      </p:par>
+    </p:tnLst>
+  </p:timing>
+</p:sld>
+</file>
+
+<file path=ppt/slides/slide16.xml><?xml version="1.0" encoding="utf-8"?>
+<p:sld xmlns:a="http://schemas.openxmlformats.org/drawingml/2006/main" xmlns:r="http://schemas.openxmlformats.org/officeDocument/2006/relationships" xmlns:p="http://schemas.openxmlformats.org/presentationml/2006/main">
+  <p:cSld>
+    <p:spTree>
+      <p:nvGrpSpPr>
+        <p:cNvPr id="1" name=""/>
+        <p:cNvGrpSpPr/>
+        <p:nvPr/>
+      </p:nvGrpSpPr>
+      <p:grpSpPr>
+        <a:xfrm>
+          <a:off x="0" y="0"/>
+          <a:ext cx="0" cy="0"/>
+          <a:chOff x="0" y="0"/>
+          <a:chExt cx="0" cy="0"/>
+        </a:xfrm>
+      </p:grpSpPr>
+      <p:sp>
+        <p:nvSpPr>
+          <p:cNvPr id="2" name="Title 1"/>
+          <p:cNvSpPr>
+            <a:spLocks noGrp="1"/>
+          </p:cNvSpPr>
+          <p:nvPr>
+            <p:ph type="title"/>
+          </p:nvPr>
+        </p:nvSpPr>
+        <p:spPr/>
+        <p:txBody>
+          <a:bodyPr/>
+          <a:lstStyle/>
+          <a:p>
+            <a:r>
+              <a:rPr lang="en-US" dirty="0" smtClean="0"/>
+              <a:t>Login</a:t>
+            </a:r>
+            <a:endParaRPr lang="tr-TR" dirty="0"/>
+          </a:p>
+        </p:txBody>
+      </p:sp>
+      <p:sp>
+        <p:nvSpPr>
+          <p:cNvPr id="3" name="Content Placeholder 2"/>
+          <p:cNvSpPr>
+            <a:spLocks noGrp="1"/>
+          </p:cNvSpPr>
+          <p:nvPr>
+            <p:ph idx="1"/>
+          </p:nvPr>
+        </p:nvSpPr>
+        <p:spPr/>
+        <p:txBody>
+          <a:bodyPr/>
+          <a:lstStyle/>
+          <a:p>
+            <a:pPr>
+              <a:buFont typeface="Wingdings" panose="05000000000000000000" pitchFamily="2" charset="2"/>
+              <a:buChar char="Ø"/>
+            </a:pPr>
+            <a:r>
+              <a:rPr lang="en-US" dirty="0"/>
+              <a:t>MVVM</a:t>
+            </a:r>
+          </a:p>
+          <a:p>
+            <a:pPr>
+              <a:buFont typeface="Wingdings" panose="05000000000000000000" pitchFamily="2" charset="2"/>
+              <a:buChar char="Ø"/>
+            </a:pPr>
+            <a:r>
+              <a:rPr lang="tr-TR" dirty="0" smtClean="0"/>
+              <a:t>[(</a:t>
+            </a:r>
+            <a:r>
+              <a:rPr lang="tr-TR" dirty="0" err="1"/>
+              <a:t>ngModel</a:t>
+            </a:r>
+            <a:r>
+              <a:rPr lang="tr-TR" dirty="0" smtClean="0"/>
+              <a:t>)]</a:t>
+            </a:r>
+            <a:endParaRPr lang="en-US" dirty="0" smtClean="0"/>
+          </a:p>
+          <a:p>
+            <a:pPr>
+              <a:buFont typeface="Wingdings" panose="05000000000000000000" pitchFamily="2" charset="2"/>
+              <a:buChar char="Ø"/>
+            </a:pPr>
+            <a:r>
+              <a:rPr lang="en-US" dirty="0" smtClean="0"/>
+              <a:t>Constructor Injection</a:t>
+            </a:r>
+          </a:p>
+          <a:p>
+            <a:pPr>
+              <a:buFont typeface="Wingdings" panose="05000000000000000000" pitchFamily="2" charset="2"/>
+              <a:buChar char="Ø"/>
+            </a:pPr>
+            <a:r>
+              <a:rPr lang="en-US" dirty="0" smtClean="0"/>
+              <a:t>Event Handling</a:t>
+            </a:r>
+          </a:p>
+          <a:p>
+            <a:pPr>
+              <a:buFont typeface="Wingdings" panose="05000000000000000000" pitchFamily="2" charset="2"/>
+              <a:buChar char="Ø"/>
+            </a:pPr>
+            <a:r>
+              <a:rPr lang="en-US" dirty="0"/>
+              <a:t>Services</a:t>
+            </a:r>
+          </a:p>
+          <a:p>
+            <a:pPr>
+              <a:buFont typeface="Wingdings" panose="05000000000000000000" pitchFamily="2" charset="2"/>
+              <a:buChar char="Ø"/>
+            </a:pPr>
+            <a:r>
+              <a:rPr lang="en-US" dirty="0"/>
+              <a:t>Local Storage</a:t>
+            </a:r>
+          </a:p>
+          <a:p>
+            <a:pPr>
+              <a:buFont typeface="Wingdings" panose="05000000000000000000" pitchFamily="2" charset="2"/>
+              <a:buChar char="Ø"/>
+            </a:pPr>
+            <a:r>
+              <a:rPr lang="en-US" dirty="0" smtClean="0"/>
+              <a:t>HTTP calls</a:t>
+            </a:r>
+          </a:p>
+          <a:p>
+            <a:pPr>
+              <a:buFont typeface="Wingdings" panose="05000000000000000000" pitchFamily="2" charset="2"/>
+              <a:buChar char="Ø"/>
+            </a:pPr>
+            <a:r>
+              <a:rPr lang="en-US" dirty="0" smtClean="0"/>
+              <a:t>Observable</a:t>
+            </a:r>
+            <a:endParaRPr lang="tr-TR" dirty="0"/>
+          </a:p>
+        </p:txBody>
+      </p:sp>
+    </p:spTree>
+    <p:extLst>
+      <p:ext uri="{BB962C8B-B14F-4D97-AF65-F5344CB8AC3E}">
+        <p14:creationId xmlns:p14="http://schemas.microsoft.com/office/powerpoint/2010/main" val="3056683916"/>
+      </p:ext>
+    </p:extLst>
+  </p:cSld>
+  <p:clrMapOvr>
+    <a:masterClrMapping/>
+  </p:clrMapOvr>
+  <p:timing>
+    <p:tnLst>
+      <p:par>
+        <p:cTn id="1" dur="indefinite" restart="never" nodeType="tmRoot"/>
+      </p:par>
+    </p:tnLst>
+  </p:timing>
+</p:sld>
+</file>
+
+<file path=ppt/slides/slide17.xml><?xml version="1.0" encoding="utf-8"?>
+<p:sld xmlns:a="http://schemas.openxmlformats.org/drawingml/2006/main" xmlns:r="http://schemas.openxmlformats.org/officeDocument/2006/relationships" xmlns:p="http://schemas.openxmlformats.org/presentationml/2006/main">
+  <p:cSld>
+    <p:spTree>
+      <p:nvGrpSpPr>
+        <p:cNvPr id="1" name=""/>
+        <p:cNvGrpSpPr/>
+        <p:nvPr/>
+      </p:nvGrpSpPr>
+      <p:grpSpPr>
+        <a:xfrm>
+          <a:off x="0" y="0"/>
+          <a:ext cx="0" cy="0"/>
+          <a:chOff x="0" y="0"/>
+          <a:chExt cx="0" cy="0"/>
+        </a:xfrm>
+      </p:grpSpPr>
+      <p:sp>
+        <p:nvSpPr>
+          <p:cNvPr id="2" name="Title 1"/>
+          <p:cNvSpPr>
+            <a:spLocks noGrp="1"/>
+          </p:cNvSpPr>
+          <p:nvPr>
+            <p:ph type="title"/>
+          </p:nvPr>
+        </p:nvSpPr>
+        <p:spPr/>
+        <p:txBody>
+          <a:bodyPr/>
+          <a:lstStyle/>
+          <a:p>
+            <a:r>
+              <a:rPr lang="en-US" dirty="0" smtClean="0"/>
+              <a:t>Protecting Pages</a:t>
+            </a:r>
+            <a:endParaRPr lang="tr-TR" dirty="0"/>
+          </a:p>
+        </p:txBody>
+      </p:sp>
+      <p:sp>
+        <p:nvSpPr>
+          <p:cNvPr id="3" name="Content Placeholder 2"/>
+          <p:cNvSpPr>
+            <a:spLocks noGrp="1"/>
+          </p:cNvSpPr>
+          <p:nvPr>
+            <p:ph idx="1"/>
+          </p:nvPr>
+        </p:nvSpPr>
+        <p:spPr/>
+        <p:txBody>
+          <a:bodyPr/>
+          <a:lstStyle/>
+          <a:p>
+            <a:pPr>
+              <a:buFont typeface="Wingdings" panose="05000000000000000000" pitchFamily="2" charset="2"/>
+              <a:buChar char="Ø"/>
+            </a:pPr>
+            <a:r>
+              <a:rPr lang="en-US" dirty="0" smtClean="0"/>
+              <a:t>Guards</a:t>
+            </a:r>
+          </a:p>
+          <a:p>
+            <a:pPr>
+              <a:buFont typeface="Wingdings" panose="05000000000000000000" pitchFamily="2" charset="2"/>
+              <a:buChar char="Ø"/>
+            </a:pPr>
+            <a:r>
+              <a:rPr lang="en-US" dirty="0" err="1" smtClean="0"/>
+              <a:t>AuthPipe</a:t>
+            </a:r>
+            <a:endParaRPr lang="en-US" dirty="0" smtClean="0"/>
+          </a:p>
+          <a:p>
+            <a:pPr>
+              <a:buFont typeface="Wingdings" panose="05000000000000000000" pitchFamily="2" charset="2"/>
+              <a:buChar char="Ø"/>
+            </a:pPr>
+            <a:r>
+              <a:rPr lang="en-US" dirty="0" smtClean="0"/>
+              <a:t>Ng generate guard </a:t>
+            </a:r>
+            <a:r>
+              <a:rPr lang="en-US" dirty="0" err="1" smtClean="0"/>
+              <a:t>Auth</a:t>
+            </a:r>
+            <a:endParaRPr lang="en-US" dirty="0" smtClean="0"/>
+          </a:p>
+          <a:p>
+            <a:pPr>
+              <a:buFont typeface="Wingdings" panose="05000000000000000000" pitchFamily="2" charset="2"/>
+              <a:buChar char="Ø"/>
+            </a:pPr>
+            <a:r>
+              <a:rPr lang="en-US" dirty="0" err="1" smtClean="0"/>
+              <a:t>canActivate</a:t>
+            </a:r>
+            <a:endParaRPr lang="tr-TR" dirty="0"/>
+          </a:p>
+        </p:txBody>
+      </p:sp>
+    </p:spTree>
+    <p:extLst>
+      <p:ext uri="{BB962C8B-B14F-4D97-AF65-F5344CB8AC3E}">
+        <p14:creationId xmlns:p14="http://schemas.microsoft.com/office/powerpoint/2010/main" val="560274802"/>
+      </p:ext>
+    </p:extLst>
+  </p:cSld>
+  <p:clrMapOvr>
+    <a:masterClrMapping/>
+  </p:clrMapOvr>
+  <p:timing>
+    <p:tnLst>
+      <p:par>
+        <p:cTn id="1" dur="indefinite" restart="never" nodeType="tmRoot"/>
+      </p:par>
+    </p:tnLst>
+  </p:timing>
+</p:sld>
+</file>
+
+<file path=ppt/slides/slide18.xml><?xml version="1.0" encoding="utf-8"?>
+<p:sld xmlns:a="http://schemas.openxmlformats.org/drawingml/2006/main" xmlns:r="http://schemas.openxmlformats.org/officeDocument/2006/relationships" xmlns:p="http://schemas.openxmlformats.org/presentationml/2006/main">
+  <p:cSld>
+    <p:spTree>
+      <p:nvGrpSpPr>
+        <p:cNvPr id="1" name=""/>
+        <p:cNvGrpSpPr/>
+        <p:nvPr/>
+      </p:nvGrpSpPr>
+      <p:grpSpPr>
+        <a:xfrm>
+          <a:off x="0" y="0"/>
+          <a:ext cx="0" cy="0"/>
+          <a:chOff x="0" y="0"/>
+          <a:chExt cx="0" cy="0"/>
+        </a:xfrm>
+      </p:grpSpPr>
+      <p:sp>
+        <p:nvSpPr>
+          <p:cNvPr id="2" name="Title 1"/>
+          <p:cNvSpPr>
+            <a:spLocks noGrp="1"/>
+          </p:cNvSpPr>
+          <p:nvPr>
+            <p:ph type="title"/>
+          </p:nvPr>
+        </p:nvSpPr>
+        <p:spPr/>
+        <p:txBody>
+          <a:bodyPr/>
+          <a:lstStyle/>
+          <a:p>
+            <a:r>
+              <a:rPr lang="en-US" dirty="0" smtClean="0"/>
+              <a:t>Question List – Detail - Ask</a:t>
+            </a:r>
+            <a:endParaRPr lang="tr-TR" dirty="0"/>
+          </a:p>
+        </p:txBody>
+      </p:sp>
+      <p:sp>
+        <p:nvSpPr>
+          <p:cNvPr id="3" name="Content Placeholder 2"/>
+          <p:cNvSpPr>
+            <a:spLocks noGrp="1"/>
+          </p:cNvSpPr>
+          <p:nvPr>
+            <p:ph idx="1"/>
+          </p:nvPr>
+        </p:nvSpPr>
+        <p:spPr/>
+        <p:txBody>
+          <a:bodyPr/>
+          <a:lstStyle/>
+          <a:p>
+            <a:pPr>
+              <a:buFont typeface="Wingdings" panose="05000000000000000000" pitchFamily="2" charset="2"/>
+              <a:buChar char="Ø"/>
+            </a:pPr>
+            <a:r>
+              <a:rPr lang="en-US" dirty="0" err="1" smtClean="0"/>
+              <a:t>ngFor</a:t>
+            </a:r>
+            <a:endParaRPr lang="en-US" dirty="0" smtClean="0"/>
+          </a:p>
+          <a:p>
+            <a:pPr>
+              <a:buFont typeface="Wingdings" panose="05000000000000000000" pitchFamily="2" charset="2"/>
+              <a:buChar char="Ø"/>
+            </a:pPr>
+            <a:r>
+              <a:rPr lang="en-US" dirty="0" err="1" smtClean="0"/>
+              <a:t>ngIf</a:t>
+            </a:r>
+            <a:endParaRPr lang="en-US" dirty="0" smtClean="0"/>
+          </a:p>
+          <a:p>
+            <a:pPr>
+              <a:buFont typeface="Wingdings" panose="05000000000000000000" pitchFamily="2" charset="2"/>
+              <a:buChar char="Ø"/>
+            </a:pPr>
+            <a:r>
+              <a:rPr lang="en-US" dirty="0" err="1" smtClean="0"/>
+              <a:t>Oneway</a:t>
+            </a:r>
+            <a:r>
+              <a:rPr lang="en-US" dirty="0" smtClean="0"/>
+              <a:t> binding</a:t>
+            </a:r>
+          </a:p>
+          <a:p>
+            <a:pPr>
+              <a:buFont typeface="Wingdings" panose="05000000000000000000" pitchFamily="2" charset="2"/>
+              <a:buChar char="Ø"/>
+            </a:pPr>
+            <a:r>
+              <a:rPr lang="en-US" dirty="0" err="1" smtClean="0"/>
+              <a:t>ngOnInit</a:t>
+            </a:r>
+            <a:endParaRPr lang="en-US" dirty="0" smtClean="0"/>
+          </a:p>
+          <a:p>
+            <a:pPr>
+              <a:buFont typeface="Wingdings" panose="05000000000000000000" pitchFamily="2" charset="2"/>
+              <a:buChar char="Ø"/>
+            </a:pPr>
+            <a:r>
+              <a:rPr lang="en-US" dirty="0" err="1" smtClean="0"/>
+              <a:t>Observable.combineLates</a:t>
+            </a:r>
+            <a:endParaRPr lang="en-US" dirty="0" smtClean="0"/>
+          </a:p>
+          <a:p>
+            <a:pPr>
+              <a:buFont typeface="Wingdings" panose="05000000000000000000" pitchFamily="2" charset="2"/>
+              <a:buChar char="Ø"/>
+            </a:pPr>
+            <a:r>
+              <a:rPr lang="en-US" dirty="0" err="1" smtClean="0"/>
+              <a:t>utility.ts</a:t>
+            </a:r>
+            <a:r>
+              <a:rPr lang="en-US" dirty="0" smtClean="0"/>
+              <a:t> export  function</a:t>
+            </a:r>
+          </a:p>
+          <a:p>
+            <a:pPr>
+              <a:buFont typeface="Wingdings" panose="05000000000000000000" pitchFamily="2" charset="2"/>
+              <a:buChar char="Ø"/>
+            </a:pPr>
+            <a:r>
+              <a:rPr lang="en-US" dirty="0" smtClean="0"/>
+              <a:t>Class</a:t>
+            </a:r>
+          </a:p>
+          <a:p>
+            <a:pPr>
+              <a:buFont typeface="Wingdings" panose="05000000000000000000" pitchFamily="2" charset="2"/>
+              <a:buChar char="Ø"/>
+            </a:pPr>
+            <a:r>
+              <a:rPr lang="en-US" dirty="0" err="1"/>
+              <a:t>ActivatedRoute</a:t>
+            </a:r>
+            <a:endParaRPr lang="en-US" dirty="0" smtClean="0"/>
+          </a:p>
+          <a:p>
+            <a:pPr>
+              <a:buFont typeface="Wingdings" panose="05000000000000000000" pitchFamily="2" charset="2"/>
+              <a:buChar char="Ø"/>
+            </a:pPr>
+            <a:endParaRPr lang="tr-TR" dirty="0"/>
+          </a:p>
+        </p:txBody>
+      </p:sp>
+    </p:spTree>
+    <p:extLst>
+      <p:ext uri="{BB962C8B-B14F-4D97-AF65-F5344CB8AC3E}">
+        <p14:creationId xmlns:p14="http://schemas.microsoft.com/office/powerpoint/2010/main" val="2858812625"/>
+      </p:ext>
+    </p:extLst>
+  </p:cSld>
+  <p:clrMapOvr>
+    <a:masterClrMapping/>
+  </p:clrMapOvr>
+  <p:timing>
+    <p:tnLst>
+      <p:par>
+        <p:cTn id="1" dur="indefinite" restart="never" nodeType="tmRoot"/>
+      </p:par>
+    </p:tnLst>
+  </p:timing>
+</p:sld>
+</file>
+
+<file path=ppt/slides/slide19.xml><?xml version="1.0" encoding="utf-8"?>
+<p:sld xmlns:a="http://schemas.openxmlformats.org/drawingml/2006/main" xmlns:r="http://schemas.openxmlformats.org/officeDocument/2006/relationships" xmlns:p="http://schemas.openxmlformats.org/presentationml/2006/main">
+  <p:cSld>
+    <p:spTree>
+      <p:nvGrpSpPr>
+        <p:cNvPr id="1" name=""/>
+        <p:cNvGrpSpPr/>
+        <p:nvPr/>
+      </p:nvGrpSpPr>
+      <p:grpSpPr>
+        <a:xfrm>
+          <a:off x="0" y="0"/>
+          <a:ext cx="0" cy="0"/>
+          <a:chOff x="0" y="0"/>
+          <a:chExt cx="0" cy="0"/>
+        </a:xfrm>
+      </p:grpSpPr>
+      <p:sp>
+        <p:nvSpPr>
+          <p:cNvPr id="2" name="Title 1"/>
+          <p:cNvSpPr>
+            <a:spLocks noGrp="1"/>
+          </p:cNvSpPr>
+          <p:nvPr>
+            <p:ph type="title"/>
+          </p:nvPr>
+        </p:nvSpPr>
+        <p:spPr/>
+        <p:txBody>
+          <a:bodyPr/>
+          <a:lstStyle/>
+          <a:p>
+            <a:r>
+              <a:rPr lang="en-US" dirty="0" smtClean="0"/>
+              <a:t>Refactoring</a:t>
+            </a:r>
+            <a:endParaRPr lang="tr-TR" dirty="0"/>
+          </a:p>
+        </p:txBody>
+      </p:sp>
+      <p:sp>
+        <p:nvSpPr>
+          <p:cNvPr id="3" name="Content Placeholder 2"/>
+          <p:cNvSpPr>
+            <a:spLocks noGrp="1"/>
+          </p:cNvSpPr>
+          <p:nvPr>
+            <p:ph idx="1"/>
+          </p:nvPr>
+        </p:nvSpPr>
+        <p:spPr/>
+        <p:txBody>
+          <a:bodyPr/>
+          <a:lstStyle/>
+          <a:p>
+            <a:pPr>
+              <a:buFont typeface="Wingdings" panose="05000000000000000000" pitchFamily="2" charset="2"/>
+              <a:buChar char="Ø"/>
+            </a:pPr>
+            <a:r>
+              <a:rPr lang="en-US" dirty="0" smtClean="0"/>
+              <a:t>Split application into multiple Modules</a:t>
+            </a:r>
+          </a:p>
+          <a:p>
+            <a:pPr>
+              <a:buFont typeface="Wingdings" panose="05000000000000000000" pitchFamily="2" charset="2"/>
+              <a:buChar char="Ø"/>
+            </a:pPr>
+            <a:r>
+              <a:rPr lang="en-US" dirty="0" err="1" smtClean="0"/>
+              <a:t>QuestionModule</a:t>
+            </a:r>
+            <a:endParaRPr lang="en-US" dirty="0" smtClean="0"/>
+          </a:p>
+          <a:p>
+            <a:pPr>
+              <a:buFont typeface="Wingdings" panose="05000000000000000000" pitchFamily="2" charset="2"/>
+              <a:buChar char="Ø"/>
+            </a:pPr>
+            <a:r>
+              <a:rPr lang="en-US" dirty="0" err="1" smtClean="0"/>
+              <a:t>UserModule</a:t>
+            </a:r>
+            <a:endParaRPr lang="en-US" dirty="0" smtClean="0"/>
+          </a:p>
+          <a:p>
+            <a:pPr>
+              <a:buFont typeface="Wingdings" panose="05000000000000000000" pitchFamily="2" charset="2"/>
+              <a:buChar char="Ø"/>
+            </a:pPr>
+            <a:r>
+              <a:rPr lang="en-US" dirty="0" err="1" smtClean="0"/>
+              <a:t>SharedModule</a:t>
+            </a:r>
+            <a:endParaRPr lang="en-US" dirty="0" smtClean="0"/>
+          </a:p>
+          <a:p>
+            <a:pPr>
+              <a:buFont typeface="Wingdings" panose="05000000000000000000" pitchFamily="2" charset="2"/>
+              <a:buChar char="Ø"/>
+            </a:pPr>
+            <a:r>
+              <a:rPr lang="en-US" dirty="0" err="1" smtClean="0"/>
+              <a:t>MenuComponent</a:t>
+            </a:r>
+            <a:endParaRPr lang="en-US" dirty="0" smtClean="0"/>
+          </a:p>
+          <a:p>
+            <a:pPr>
+              <a:buFont typeface="Wingdings" panose="05000000000000000000" pitchFamily="2" charset="2"/>
+              <a:buChar char="Ø"/>
+            </a:pPr>
+            <a:endParaRPr lang="tr-TR" dirty="0"/>
+          </a:p>
+        </p:txBody>
+      </p:sp>
+    </p:spTree>
+    <p:extLst>
+      <p:ext uri="{BB962C8B-B14F-4D97-AF65-F5344CB8AC3E}">
+        <p14:creationId xmlns:p14="http://schemas.microsoft.com/office/powerpoint/2010/main" val="724915195"/>
+      </p:ext>
+    </p:extLst>
+  </p:cSld>
+  <p:clrMapOvr>
+    <a:masterClrMapping/>
+  </p:clrMapOvr>
+  <p:timing>
+    <p:tnLst>
+      <p:par>
+        <p:cTn id="1" dur="indefinite" restart="never" nodeType="tmRoot"/>
+      </p:par>
+    </p:tnLst>
+  </p:timing>
 </p:sld>
 </file>
 
@@ -4665,78 +7230,6 @@
           <a:p>
             <a:r>
               <a:rPr lang="en-US" dirty="0" smtClean="0"/>
-              <a:t>Course Outlıne</a:t>
-            </a:r>
-            <a:endParaRPr lang="tr-TR" dirty="0"/>
-          </a:p>
-        </p:txBody>
-      </p:sp>
-      <p:sp>
-        <p:nvSpPr>
-          <p:cNvPr id="3" name="Content Placeholder 2"/>
-          <p:cNvSpPr>
-            <a:spLocks noGrp="1"/>
-          </p:cNvSpPr>
-          <p:nvPr>
-            <p:ph idx="1"/>
-          </p:nvPr>
-        </p:nvSpPr>
-        <p:spPr/>
-        <p:txBody>
-          <a:bodyPr/>
-          <a:lstStyle/>
-          <a:p>
-            <a:endParaRPr lang="tr-TR" dirty="0"/>
-          </a:p>
-        </p:txBody>
-      </p:sp>
-    </p:spTree>
-    <p:extLst>
-      <p:ext uri="{BB962C8B-B14F-4D97-AF65-F5344CB8AC3E}">
-        <p14:creationId xmlns:p14="http://schemas.microsoft.com/office/powerpoint/2010/main" val="1166692524"/>
-      </p:ext>
-    </p:extLst>
-  </p:cSld>
-  <p:clrMapOvr>
-    <a:masterClrMapping/>
-  </p:clrMapOvr>
-</p:sld>
-</file>
-
-<file path=ppt/slides/slide3.xml><?xml version="1.0" encoding="utf-8"?>
-<p:sld xmlns:a="http://schemas.openxmlformats.org/drawingml/2006/main" xmlns:r="http://schemas.openxmlformats.org/officeDocument/2006/relationships" xmlns:p="http://schemas.openxmlformats.org/presentationml/2006/main">
-  <p:cSld>
-    <p:spTree>
-      <p:nvGrpSpPr>
-        <p:cNvPr id="1" name=""/>
-        <p:cNvGrpSpPr/>
-        <p:nvPr/>
-      </p:nvGrpSpPr>
-      <p:grpSpPr>
-        <a:xfrm>
-          <a:off x="0" y="0"/>
-          <a:ext cx="0" cy="0"/>
-          <a:chOff x="0" y="0"/>
-          <a:chExt cx="0" cy="0"/>
-        </a:xfrm>
-      </p:grpSpPr>
-      <p:sp>
-        <p:nvSpPr>
-          <p:cNvPr id="2" name="Title 1"/>
-          <p:cNvSpPr>
-            <a:spLocks noGrp="1"/>
-          </p:cNvSpPr>
-          <p:nvPr>
-            <p:ph type="title"/>
-          </p:nvPr>
-        </p:nvSpPr>
-        <p:spPr/>
-        <p:txBody>
-          <a:bodyPr/>
-          <a:lstStyle/>
-          <a:p>
-            <a:r>
-              <a:rPr lang="en-US" dirty="0" smtClean="0"/>
               <a:t>Angular Is…</a:t>
             </a:r>
             <a:endParaRPr lang="tr-TR" dirty="0"/>
@@ -4813,7 +7306,7 @@
 </p:sld>
 </file>
 
-<file path=ppt/slides/slide4.xml><?xml version="1.0" encoding="utf-8"?>
+<file path=ppt/slides/slide3.xml><?xml version="1.0" encoding="utf-8"?>
 <p:sld xmlns:a="http://schemas.openxmlformats.org/drawingml/2006/main" xmlns:r="http://schemas.openxmlformats.org/officeDocument/2006/relationships" xmlns:p="http://schemas.openxmlformats.org/presentationml/2006/main">
   <p:cSld>
     <p:spTree>
@@ -4895,7 +7388,7 @@
 </p:sld>
 </file>
 
-<file path=ppt/slides/slide5.xml><?xml version="1.0" encoding="utf-8"?>
+<file path=ppt/slides/slide4.xml><?xml version="1.0" encoding="utf-8"?>
 <p:sld xmlns:a="http://schemas.openxmlformats.org/drawingml/2006/main" xmlns:r="http://schemas.openxmlformats.org/officeDocument/2006/relationships" xmlns:p="http://schemas.openxmlformats.org/presentationml/2006/main">
   <p:cSld>
     <p:spTree>
@@ -4977,7 +7470,7 @@
 </p:sld>
 </file>
 
-<file path=ppt/slides/slide6.xml><?xml version="1.0" encoding="utf-8"?>
+<file path=ppt/slides/slide5.xml><?xml version="1.0" encoding="utf-8"?>
 <p:sld xmlns:a="http://schemas.openxmlformats.org/drawingml/2006/main" xmlns:r="http://schemas.openxmlformats.org/officeDocument/2006/relationships" xmlns:p="http://schemas.openxmlformats.org/presentationml/2006/main">
   <p:cSld>
     <p:spTree>
@@ -5059,7 +7552,7 @@
 </p:sld>
 </file>
 
-<file path=ppt/slides/slide7.xml><?xml version="1.0" encoding="utf-8"?>
+<file path=ppt/slides/slide6.xml><?xml version="1.0" encoding="utf-8"?>
 <p:sld xmlns:a="http://schemas.openxmlformats.org/drawingml/2006/main" xmlns:r="http://schemas.openxmlformats.org/officeDocument/2006/relationships" xmlns:p="http://schemas.openxmlformats.org/presentationml/2006/main">
   <p:cSld>
     <p:spTree>
@@ -5141,6 +7634,309 @@
 </p:sld>
 </file>
 
+<file path=ppt/slides/slide7.xml><?xml version="1.0" encoding="utf-8"?>
+<p:sld xmlns:a="http://schemas.openxmlformats.org/drawingml/2006/main" xmlns:r="http://schemas.openxmlformats.org/officeDocument/2006/relationships" xmlns:p="http://schemas.openxmlformats.org/presentationml/2006/main">
+  <p:cSld>
+    <p:spTree>
+      <p:nvGrpSpPr>
+        <p:cNvPr id="1" name=""/>
+        <p:cNvGrpSpPr/>
+        <p:nvPr/>
+      </p:nvGrpSpPr>
+      <p:grpSpPr>
+        <a:xfrm>
+          <a:off x="0" y="0"/>
+          <a:ext cx="0" cy="0"/>
+          <a:chOff x="0" y="0"/>
+          <a:chExt cx="0" cy="0"/>
+        </a:xfrm>
+      </p:grpSpPr>
+      <p:sp>
+        <p:nvSpPr>
+          <p:cNvPr id="2" name="Title 1"/>
+          <p:cNvSpPr>
+            <a:spLocks noGrp="1"/>
+          </p:cNvSpPr>
+          <p:nvPr>
+            <p:ph type="title"/>
+          </p:nvPr>
+        </p:nvSpPr>
+        <p:spPr/>
+        <p:txBody>
+          <a:bodyPr/>
+          <a:lstStyle/>
+          <a:p>
+            <a:r>
+              <a:rPr lang="en-US" dirty="0" smtClean="0"/>
+              <a:t>Development Environment</a:t>
+            </a:r>
+            <a:endParaRPr lang="tr-TR" dirty="0"/>
+          </a:p>
+        </p:txBody>
+      </p:sp>
+      <p:sp>
+        <p:nvSpPr>
+          <p:cNvPr id="3" name="Content Placeholder 2"/>
+          <p:cNvSpPr>
+            <a:spLocks noGrp="1"/>
+          </p:cNvSpPr>
+          <p:nvPr>
+            <p:ph idx="1"/>
+          </p:nvPr>
+        </p:nvSpPr>
+        <p:spPr/>
+        <p:txBody>
+          <a:bodyPr/>
+          <a:lstStyle/>
+          <a:p>
+            <a:pPr>
+              <a:buFont typeface="Wingdings" panose="05000000000000000000" pitchFamily="2" charset="2"/>
+              <a:buChar char="Ø"/>
+            </a:pPr>
+            <a:r>
+              <a:rPr lang="en-US" dirty="0"/>
+              <a:t>Node.js </a:t>
+            </a:r>
+            <a:r>
+              <a:rPr lang="en-US" dirty="0">
+                <a:hlinkClick r:id="rId2"/>
+              </a:rPr>
+              <a:t>https://nodejs.org/en</a:t>
+            </a:r>
+            <a:r>
+              <a:rPr lang="en-US" dirty="0" smtClean="0">
+                <a:hlinkClick r:id="rId2"/>
+              </a:rPr>
+              <a:t>/</a:t>
+            </a:r>
+            <a:r>
+              <a:rPr lang="en-US" dirty="0" smtClean="0"/>
+              <a:t> </a:t>
+            </a:r>
+            <a:endParaRPr lang="en-US" dirty="0"/>
+          </a:p>
+          <a:p>
+            <a:pPr>
+              <a:buFont typeface="Wingdings" panose="05000000000000000000" pitchFamily="2" charset="2"/>
+              <a:buChar char="Ø"/>
+            </a:pPr>
+            <a:r>
+              <a:rPr lang="en-US" dirty="0" smtClean="0"/>
+              <a:t>IDE</a:t>
+            </a:r>
+          </a:p>
+          <a:p>
+            <a:pPr lvl="1">
+              <a:buFont typeface="Wingdings" panose="05000000000000000000" pitchFamily="2" charset="2"/>
+              <a:buChar char="Ø"/>
+            </a:pPr>
+            <a:r>
+              <a:rPr lang="en-US" dirty="0"/>
+              <a:t> VS Code </a:t>
+            </a:r>
+            <a:r>
+              <a:rPr lang="en-US" dirty="0">
+                <a:hlinkClick r:id="rId3"/>
+              </a:rPr>
+              <a:t>https://code.visualstudio.com</a:t>
+            </a:r>
+            <a:r>
+              <a:rPr lang="en-US" dirty="0" smtClean="0">
+                <a:hlinkClick r:id="rId3"/>
+              </a:rPr>
+              <a:t>/</a:t>
+            </a:r>
+            <a:r>
+              <a:rPr lang="en-US" dirty="0" smtClean="0"/>
+              <a:t> </a:t>
+            </a:r>
+          </a:p>
+          <a:p>
+            <a:pPr lvl="1">
+              <a:buFont typeface="Wingdings" panose="05000000000000000000" pitchFamily="2" charset="2"/>
+              <a:buChar char="Ø"/>
+            </a:pPr>
+            <a:r>
+              <a:rPr lang="en-US" dirty="0" err="1" smtClean="0"/>
+              <a:t>WebStorm</a:t>
+            </a:r>
+            <a:r>
+              <a:rPr lang="en-US" dirty="0"/>
+              <a:t> </a:t>
+            </a:r>
+            <a:r>
+              <a:rPr lang="en-US" dirty="0">
+                <a:hlinkClick r:id="rId4"/>
+              </a:rPr>
+              <a:t>https://www.jetbrains.com/webstorm</a:t>
+            </a:r>
+            <a:r>
+              <a:rPr lang="en-US" dirty="0" smtClean="0">
+                <a:hlinkClick r:id="rId4"/>
+              </a:rPr>
+              <a:t>/</a:t>
+            </a:r>
+            <a:r>
+              <a:rPr lang="en-US" dirty="0" smtClean="0"/>
+              <a:t> </a:t>
+            </a:r>
+          </a:p>
+          <a:p>
+            <a:pPr lvl="1">
+              <a:buFont typeface="Wingdings" panose="05000000000000000000" pitchFamily="2" charset="2"/>
+              <a:buChar char="Ø"/>
+            </a:pPr>
+            <a:r>
+              <a:rPr lang="en-US" dirty="0"/>
+              <a:t>Atom </a:t>
+            </a:r>
+            <a:r>
+              <a:rPr lang="en-US" dirty="0">
+                <a:hlinkClick r:id="rId5"/>
+              </a:rPr>
+              <a:t>https://atom.io</a:t>
+            </a:r>
+            <a:r>
+              <a:rPr lang="en-US" dirty="0" smtClean="0">
+                <a:hlinkClick r:id="rId5"/>
+              </a:rPr>
+              <a:t>/</a:t>
+            </a:r>
+            <a:r>
+              <a:rPr lang="en-US" dirty="0" smtClean="0"/>
+              <a:t> </a:t>
+            </a:r>
+          </a:p>
+          <a:p>
+            <a:pPr lvl="1">
+              <a:buFont typeface="Wingdings" panose="05000000000000000000" pitchFamily="2" charset="2"/>
+              <a:buChar char="Ø"/>
+            </a:pPr>
+            <a:r>
+              <a:rPr lang="en-US" dirty="0"/>
+              <a:t>VS </a:t>
+            </a:r>
+            <a:r>
+              <a:rPr lang="en-US" dirty="0">
+                <a:hlinkClick r:id="rId6"/>
+              </a:rPr>
+              <a:t>https://visualstudio.microsoft.com</a:t>
+            </a:r>
+            <a:r>
+              <a:rPr lang="en-US" dirty="0" smtClean="0">
+                <a:hlinkClick r:id="rId6"/>
+              </a:rPr>
+              <a:t>/</a:t>
+            </a:r>
+            <a:r>
+              <a:rPr lang="en-US" dirty="0" smtClean="0"/>
+              <a:t> </a:t>
+            </a:r>
+          </a:p>
+          <a:p>
+            <a:pPr>
+              <a:buFont typeface="Wingdings" panose="05000000000000000000" pitchFamily="2" charset="2"/>
+              <a:buChar char="Ø"/>
+            </a:pPr>
+            <a:r>
+              <a:rPr lang="en-US" dirty="0"/>
+              <a:t>Angular CLI </a:t>
+            </a:r>
+            <a:r>
+              <a:rPr lang="en-US" dirty="0">
+                <a:hlinkClick r:id="rId7"/>
+              </a:rPr>
+              <a:t>https://cli.angular.io</a:t>
+            </a:r>
+            <a:r>
+              <a:rPr lang="en-US" dirty="0" smtClean="0">
+                <a:hlinkClick r:id="rId7"/>
+              </a:rPr>
+              <a:t>/</a:t>
+            </a:r>
+            <a:r>
+              <a:rPr lang="en-US" dirty="0" smtClean="0"/>
+              <a:t> </a:t>
+            </a:r>
+          </a:p>
+          <a:p>
+            <a:pPr>
+              <a:buFont typeface="Wingdings" panose="05000000000000000000" pitchFamily="2" charset="2"/>
+              <a:buChar char="Ø"/>
+            </a:pPr>
+            <a:r>
+              <a:rPr lang="en-US" dirty="0"/>
+              <a:t>JSON Server </a:t>
+            </a:r>
+            <a:r>
+              <a:rPr lang="en-US" dirty="0">
+                <a:hlinkClick r:id="rId8"/>
+              </a:rPr>
+              <a:t>https://</a:t>
+            </a:r>
+            <a:r>
+              <a:rPr lang="en-US" dirty="0" smtClean="0">
+                <a:hlinkClick r:id="rId8"/>
+              </a:rPr>
+              <a:t>github.com/typicode/json-server</a:t>
+            </a:r>
+            <a:r>
+              <a:rPr lang="en-US" dirty="0" smtClean="0"/>
+              <a:t> </a:t>
+            </a:r>
+          </a:p>
+          <a:p>
+            <a:pPr>
+              <a:buFont typeface="Wingdings" panose="05000000000000000000" pitchFamily="2" charset="2"/>
+              <a:buChar char="Ø"/>
+            </a:pPr>
+            <a:r>
+              <a:rPr lang="en-US" dirty="0"/>
+              <a:t>GIT </a:t>
+            </a:r>
+            <a:r>
+              <a:rPr lang="en-US" dirty="0">
+                <a:hlinkClick r:id="rId9"/>
+              </a:rPr>
+              <a:t>https://git-scm.com</a:t>
+            </a:r>
+            <a:r>
+              <a:rPr lang="en-US" dirty="0" smtClean="0">
+                <a:hlinkClick r:id="rId9"/>
+              </a:rPr>
+              <a:t>/</a:t>
+            </a:r>
+            <a:r>
+              <a:rPr lang="en-US" dirty="0" smtClean="0"/>
+              <a:t> </a:t>
+            </a:r>
+            <a:endParaRPr lang="tr-TR" dirty="0" smtClean="0"/>
+          </a:p>
+          <a:p>
+            <a:endParaRPr lang="tr-TR" dirty="0"/>
+          </a:p>
+        </p:txBody>
+      </p:sp>
+    </p:spTree>
+    <p:extLst>
+      <p:ext uri="{BB962C8B-B14F-4D97-AF65-F5344CB8AC3E}">
+        <p14:creationId xmlns:p14="http://schemas.microsoft.com/office/powerpoint/2010/main" val="3897392413"/>
+      </p:ext>
+    </p:extLst>
+  </p:cSld>
+  <p:clrMapOvr>
+    <a:masterClrMapping/>
+  </p:clrMapOvr>
+  <p:timing>
+    <p:tnLst>
+      <p:par>
+        <p:cTn id="1" dur="indefinite" restart="never" nodeType="tmRoot"/>
+      </p:par>
+    </p:tnLst>
+  </p:timing>
+</p:sld>
+</file>
+
 <file path=ppt/slides/slide8.xml><?xml version="1.0" encoding="utf-8"?>
 <p:sld xmlns:a="http://schemas.openxmlformats.org/drawingml/2006/main" xmlns:r="http://schemas.openxmlformats.org/officeDocument/2006/relationships" xmlns:p="http://schemas.openxmlformats.org/presentationml/2006/main">
   <p:cSld>
@@ -5173,13 +7969,17 @@
           <a:bodyPr/>
           <a:lstStyle/>
           <a:p>
-            <a:endParaRPr lang="tr-TR"/>
-          </a:p>
-        </p:txBody>
-      </p:sp>
-      <p:sp>
-        <p:nvSpPr>
-          <p:cNvPr id="3" name="Content Placeholder 2"/>
+            <a:r>
+              <a:rPr lang="en-US" dirty="0" smtClean="0"/>
+              <a:t>Angular CLI</a:t>
+            </a:r>
+            <a:endParaRPr lang="tr-TR" dirty="0"/>
+          </a:p>
+        </p:txBody>
+      </p:sp>
+      <p:sp>
+        <p:nvSpPr>
+          <p:cNvPr id="5" name="Content Placeholder 4"/>
           <p:cNvSpPr>
             <a:spLocks noGrp="1"/>
           </p:cNvSpPr>
@@ -5192,20 +7992,323 @@
           <a:bodyPr/>
           <a:lstStyle/>
           <a:p>
-            <a:endParaRPr lang="tr-TR"/>
+            <a:pPr>
+              <a:buFont typeface="Wingdings" panose="05000000000000000000" pitchFamily="2" charset="2"/>
+              <a:buChar char="Ø"/>
+            </a:pPr>
+            <a:r>
+              <a:rPr lang="en-US" dirty="0">
+                <a:hlinkClick r:id="rId2"/>
+              </a:rPr>
+              <a:t>https://cli.angular.io</a:t>
+            </a:r>
+            <a:r>
+              <a:rPr lang="en-US" dirty="0" smtClean="0">
+                <a:hlinkClick r:id="rId2"/>
+              </a:rPr>
+              <a:t>/</a:t>
+            </a:r>
+            <a:r>
+              <a:rPr lang="en-US" dirty="0" smtClean="0"/>
+              <a:t> </a:t>
+            </a:r>
+            <a:endParaRPr lang="en-US" dirty="0"/>
+          </a:p>
+          <a:p>
+            <a:pPr lvl="1"/>
+            <a:r>
+              <a:rPr lang="en-US" dirty="0" err="1" smtClean="0"/>
+              <a:t>npm</a:t>
+            </a:r>
+            <a:r>
+              <a:rPr lang="en-US" dirty="0" smtClean="0"/>
+              <a:t> </a:t>
+            </a:r>
+            <a:r>
+              <a:rPr lang="en-US" dirty="0"/>
+              <a:t>install -g @angular/cli</a:t>
+            </a:r>
+          </a:p>
+          <a:p>
+            <a:pPr lvl="1"/>
+            <a:r>
+              <a:rPr lang="en-US" dirty="0"/>
+              <a:t>ng new my-dream-app</a:t>
+            </a:r>
+          </a:p>
+          <a:p>
+            <a:pPr lvl="1"/>
+            <a:r>
+              <a:rPr lang="en-US" dirty="0"/>
+              <a:t>cd </a:t>
+            </a:r>
+            <a:r>
+              <a:rPr lang="en-US" dirty="0" smtClean="0"/>
+              <a:t>my-dream-app</a:t>
+            </a:r>
+            <a:endParaRPr lang="en-US" dirty="0"/>
+          </a:p>
+          <a:p>
+            <a:pPr lvl="1"/>
+            <a:r>
+              <a:rPr lang="en-US" dirty="0"/>
+              <a:t>ng </a:t>
+            </a:r>
+            <a:r>
+              <a:rPr lang="en-US" dirty="0" smtClean="0"/>
+              <a:t>serve</a:t>
+            </a:r>
+          </a:p>
+          <a:p>
+            <a:pPr>
+              <a:buFont typeface="Wingdings" panose="05000000000000000000" pitchFamily="2" charset="2"/>
+              <a:buChar char="Ø"/>
+            </a:pPr>
+            <a:r>
+              <a:rPr lang="en-US" dirty="0">
+                <a:hlinkClick r:id="rId3"/>
+              </a:rPr>
+              <a:t>https://</a:t>
+            </a:r>
+            <a:r>
+              <a:rPr lang="en-US" dirty="0" smtClean="0">
+                <a:hlinkClick r:id="rId3"/>
+              </a:rPr>
+              <a:t>github.com/angular/angular-cli/wiki</a:t>
+            </a:r>
+            <a:r>
+              <a:rPr lang="en-US" dirty="0" smtClean="0"/>
+              <a:t> </a:t>
+            </a:r>
+          </a:p>
+          <a:p>
+            <a:endParaRPr lang="en-US" dirty="0" smtClean="0"/>
+          </a:p>
+          <a:p>
+            <a:endParaRPr lang="tr-TR" dirty="0"/>
           </a:p>
         </p:txBody>
       </p:sp>
     </p:spTree>
     <p:extLst>
       <p:ext uri="{BB962C8B-B14F-4D97-AF65-F5344CB8AC3E}">
-        <p14:creationId xmlns:p14="http://schemas.microsoft.com/office/powerpoint/2010/main" val="3897392413"/>
+        <p14:creationId xmlns:p14="http://schemas.microsoft.com/office/powerpoint/2010/main" val="3764493547"/>
       </p:ext>
     </p:extLst>
   </p:cSld>
   <p:clrMapOvr>
     <a:masterClrMapping/>
   </p:clrMapOvr>
+  <p:timing>
+    <p:tnLst>
+      <p:par>
+        <p:cTn id="1" dur="indefinite" restart="never" nodeType="tmRoot"/>
+      </p:par>
+    </p:tnLst>
+  </p:timing>
+</p:sld>
+</file>
+
+<file path=ppt/slides/slide9.xml><?xml version="1.0" encoding="utf-8"?>
+<p:sld xmlns:a="http://schemas.openxmlformats.org/drawingml/2006/main" xmlns:r="http://schemas.openxmlformats.org/officeDocument/2006/relationships" xmlns:p="http://schemas.openxmlformats.org/presentationml/2006/main">
+  <p:cSld>
+    <p:spTree>
+      <p:nvGrpSpPr>
+        <p:cNvPr id="1" name=""/>
+        <p:cNvGrpSpPr/>
+        <p:nvPr/>
+      </p:nvGrpSpPr>
+      <p:grpSpPr>
+        <a:xfrm>
+          <a:off x="0" y="0"/>
+          <a:ext cx="0" cy="0"/>
+          <a:chOff x="0" y="0"/>
+          <a:chExt cx="0" cy="0"/>
+        </a:xfrm>
+      </p:grpSpPr>
+      <p:sp>
+        <p:nvSpPr>
+          <p:cNvPr id="2" name="Title 1"/>
+          <p:cNvSpPr>
+            <a:spLocks noGrp="1"/>
+          </p:cNvSpPr>
+          <p:nvPr>
+            <p:ph type="title"/>
+          </p:nvPr>
+        </p:nvSpPr>
+        <p:spPr/>
+        <p:txBody>
+          <a:bodyPr/>
+          <a:lstStyle/>
+          <a:p>
+            <a:r>
+              <a:rPr lang="en-US" dirty="0" smtClean="0"/>
+              <a:t>JSON Server</a:t>
+            </a:r>
+            <a:endParaRPr lang="tr-TR" dirty="0"/>
+          </a:p>
+        </p:txBody>
+      </p:sp>
+      <p:sp>
+        <p:nvSpPr>
+          <p:cNvPr id="5" name="Content Placeholder 4"/>
+          <p:cNvSpPr>
+            <a:spLocks noGrp="1"/>
+          </p:cNvSpPr>
+          <p:nvPr>
+            <p:ph idx="1"/>
+          </p:nvPr>
+        </p:nvSpPr>
+        <p:spPr/>
+        <p:txBody>
+          <a:bodyPr/>
+          <a:lstStyle/>
+          <a:p>
+            <a:pPr>
+              <a:buFont typeface="Wingdings" panose="05000000000000000000" pitchFamily="2" charset="2"/>
+              <a:buChar char="Ø"/>
+            </a:pPr>
+            <a:r>
+              <a:rPr lang="en-US" dirty="0">
+                <a:hlinkClick r:id="rId2"/>
+              </a:rPr>
+              <a:t>https://</a:t>
+            </a:r>
+            <a:r>
+              <a:rPr lang="en-US" dirty="0" smtClean="0">
+                <a:hlinkClick r:id="rId2"/>
+              </a:rPr>
+              <a:t>github.com/typicode/json-server</a:t>
+            </a:r>
+            <a:endParaRPr lang="en-US" dirty="0" smtClean="0"/>
+          </a:p>
+          <a:p>
+            <a:pPr>
+              <a:buFont typeface="Wingdings" panose="05000000000000000000" pitchFamily="2" charset="2"/>
+              <a:buChar char="Ø"/>
+            </a:pPr>
+            <a:r>
+              <a:rPr lang="en-US" dirty="0" err="1"/>
+              <a:t>npm</a:t>
+            </a:r>
+            <a:r>
+              <a:rPr lang="en-US" dirty="0"/>
+              <a:t> install -g </a:t>
+            </a:r>
+            <a:r>
+              <a:rPr lang="en-US" dirty="0" err="1" smtClean="0"/>
+              <a:t>json</a:t>
+            </a:r>
+            <a:r>
+              <a:rPr lang="en-US" dirty="0" smtClean="0"/>
+              <a:t>-server</a:t>
+            </a:r>
+          </a:p>
+          <a:p>
+            <a:pPr>
+              <a:buFont typeface="Wingdings" panose="05000000000000000000" pitchFamily="2" charset="2"/>
+              <a:buChar char="Ø"/>
+            </a:pPr>
+            <a:r>
+              <a:rPr lang="en-US" dirty="0"/>
+              <a:t>Create a </a:t>
+            </a:r>
+            <a:r>
+              <a:rPr lang="en-US" dirty="0" err="1"/>
+              <a:t>db.json</a:t>
+            </a:r>
+            <a:r>
+              <a:rPr lang="en-US" dirty="0"/>
+              <a:t> file with some </a:t>
+            </a:r>
+            <a:r>
+              <a:rPr lang="en-US" dirty="0" smtClean="0"/>
+              <a:t>data</a:t>
+            </a:r>
+          </a:p>
+          <a:p>
+            <a:pPr>
+              <a:buFont typeface="Wingdings" panose="05000000000000000000" pitchFamily="2" charset="2"/>
+              <a:buChar char="Ø"/>
+            </a:pPr>
+            <a:r>
+              <a:rPr lang="en-US" dirty="0" err="1"/>
+              <a:t>json</a:t>
+            </a:r>
+            <a:r>
+              <a:rPr lang="en-US" dirty="0"/>
+              <a:t>-server --watch </a:t>
+            </a:r>
+            <a:r>
+              <a:rPr lang="en-US" dirty="0" err="1"/>
+              <a:t>db.json</a:t>
+            </a:r>
+            <a:endParaRPr lang="en-US" dirty="0"/>
+          </a:p>
+          <a:p>
+            <a:pPr>
+              <a:buFont typeface="Wingdings" panose="05000000000000000000" pitchFamily="2" charset="2"/>
+              <a:buChar char="Ø"/>
+            </a:pPr>
+            <a:endParaRPr lang="en-US" dirty="0"/>
+          </a:p>
+          <a:p>
+            <a:pPr>
+              <a:buFont typeface="Wingdings" panose="05000000000000000000" pitchFamily="2" charset="2"/>
+              <a:buChar char="Ø"/>
+            </a:pPr>
+            <a:endParaRPr lang="en-US" dirty="0"/>
+          </a:p>
+          <a:p>
+            <a:pPr>
+              <a:buFont typeface="Wingdings" panose="05000000000000000000" pitchFamily="2" charset="2"/>
+              <a:buChar char="Ø"/>
+            </a:pPr>
+            <a:endParaRPr lang="en-US" dirty="0" smtClean="0"/>
+          </a:p>
+          <a:p>
+            <a:pPr>
+              <a:buFont typeface="Wingdings" panose="05000000000000000000" pitchFamily="2" charset="2"/>
+              <a:buChar char="Ø"/>
+            </a:pPr>
+            <a:endParaRPr lang="en-US" dirty="0"/>
+          </a:p>
+          <a:p>
+            <a:pPr>
+              <a:buFont typeface="Wingdings" panose="05000000000000000000" pitchFamily="2" charset="2"/>
+              <a:buChar char="Ø"/>
+            </a:pPr>
+            <a:endParaRPr lang="en-US" dirty="0" smtClean="0"/>
+          </a:p>
+          <a:p>
+            <a:pPr>
+              <a:buFont typeface="Wingdings" panose="05000000000000000000" pitchFamily="2" charset="2"/>
+              <a:buChar char="Ø"/>
+            </a:pPr>
+            <a:endParaRPr lang="en-US" dirty="0" smtClean="0"/>
+          </a:p>
+          <a:p>
+            <a:endParaRPr lang="tr-TR" dirty="0"/>
+          </a:p>
+        </p:txBody>
+      </p:sp>
+    </p:spTree>
+    <p:extLst>
+      <p:ext uri="{BB962C8B-B14F-4D97-AF65-F5344CB8AC3E}">
+        <p14:creationId xmlns:p14="http://schemas.microsoft.com/office/powerpoint/2010/main" val="1165667454"/>
+      </p:ext>
+    </p:extLst>
+  </p:cSld>
+  <p:clrMapOvr>
+    <a:masterClrMapping/>
+  </p:clrMapOvr>
+  <p:timing>
+    <p:tnLst>
+      <p:par>
+        <p:cTn id="1" dur="indefinite" restart="never" nodeType="tmRoot"/>
+      </p:par>
+    </p:tnLst>
+  </p:timing>
 </p:sld>
 </file>
 
